--- a/COMP2x0-portfolio-workshop-03.pptx
+++ b/COMP2x0-portfolio-workshop-03.pptx
@@ -583,7 +583,7 @@
           <a:p>
             <a:fld id="{EA0C0817-A112-4847-8014-A94B7D2A4EA3}" type="datetime1">
               <a:rPr lang="en-US" smtClean="0"/>
-              <a:t>2/9/2020</a:t>
+              <a:t>1/21/2021</a:t>
             </a:fld>
             <a:endParaRPr lang="en-US" dirty="0"/>
           </a:p>
@@ -785,7 +785,7 @@
           <a:p>
             <a:fld id="{134F40B7-36AB-4376-BE14-EF7004D79BB9}" type="datetime1">
               <a:rPr lang="en-US" smtClean="0"/>
-              <a:t>2/9/2020</a:t>
+              <a:t>1/21/2021</a:t>
             </a:fld>
             <a:endParaRPr lang="en-US"/>
           </a:p>
@@ -965,7 +965,7 @@
           <a:p>
             <a:fld id="{FF87CAB8-DCAE-46A5-AADA-B3FAD11A54E0}" type="datetime1">
               <a:rPr lang="en-US" smtClean="0"/>
-              <a:t>2/9/2020</a:t>
+              <a:t>1/21/2021</a:t>
             </a:fld>
             <a:endParaRPr lang="en-US"/>
           </a:p>
@@ -1135,7 +1135,7 @@
           <a:p>
             <a:fld id="{7332B432-ACDA-4023-A761-2BAB76577B62}" type="datetime1">
               <a:rPr lang="en-US" smtClean="0"/>
-              <a:t>2/9/2020</a:t>
+              <a:t>1/21/2021</a:t>
             </a:fld>
             <a:endParaRPr lang="en-US"/>
           </a:p>
@@ -1734,7 +1734,7 @@
           <a:p>
             <a:fld id="{D9C646AA-F36E-4540-911D-FFFC0A0EF24A}" type="datetime1">
               <a:rPr lang="en-US" smtClean="0"/>
-              <a:t>2/9/2020</a:t>
+              <a:t>1/21/2021</a:t>
             </a:fld>
             <a:endParaRPr lang="en-US" dirty="0"/>
           </a:p>
@@ -2054,7 +2054,7 @@
           <a:p>
             <a:fld id="{69186D26-FA5F-4637-B602-B7C2DC34CFD4}" type="datetime1">
               <a:rPr lang="en-US" smtClean="0"/>
-              <a:t>2/9/2020</a:t>
+              <a:t>1/21/2021</a:t>
             </a:fld>
             <a:endParaRPr lang="en-US"/>
           </a:p>
@@ -2491,7 +2491,7 @@
           <a:p>
             <a:fld id="{8A7F15D8-96D1-4781-BC50-CA8A088B2FE4}" type="datetime1">
               <a:rPr lang="en-US" smtClean="0"/>
-              <a:t>2/9/2020</a:t>
+              <a:t>1/21/2021</a:t>
             </a:fld>
             <a:endParaRPr lang="en-US"/>
           </a:p>
@@ -2609,7 +2609,7 @@
           <a:p>
             <a:fld id="{F9A96C99-B8F8-4528-BD05-0E16E943DC09}" type="datetime1">
               <a:rPr lang="en-US" smtClean="0"/>
-              <a:t>2/9/2020</a:t>
+              <a:t>1/21/2021</a:t>
             </a:fld>
             <a:endParaRPr lang="en-US"/>
           </a:p>
@@ -2704,7 +2704,7 @@
           <a:p>
             <a:fld id="{03636942-C211-4B28-8DBD-C953E00AF71B}" type="datetime1">
               <a:rPr lang="en-US" smtClean="0"/>
-              <a:t>2/9/2020</a:t>
+              <a:t>1/21/2021</a:t>
             </a:fld>
             <a:endParaRPr lang="en-US"/>
           </a:p>
@@ -3121,7 +3121,7 @@
           <a:p>
             <a:fld id="{7E8D12A6-918A-48BD-8CB9-CA713993B0EA}" type="datetime1">
               <a:rPr lang="en-US" smtClean="0"/>
-              <a:t>2/9/2020</a:t>
+              <a:t>1/21/2021</a:t>
             </a:fld>
             <a:endParaRPr lang="en-US"/>
           </a:p>
@@ -3383,7 +3383,7 @@
             <a:fld id="{E778CE86-875F-4587-BCF6-FA054AFC0D53}" type="datetime1">
               <a:rPr lang="en-US" smtClean="0"/>
               <a:pPr/>
-              <a:t>2/9/2020</a:t>
+              <a:t>1/21/2021</a:t>
             </a:fld>
             <a:endParaRPr lang="en-US" dirty="0"/>
           </a:p>
@@ -3899,7 +3899,7 @@
           <a:p>
             <a:fld id="{F6FA2B21-3FCD-4721-B95C-427943F61125}" type="datetime1">
               <a:rPr lang="en-US" smtClean="0"/>
-              <a:t>2/9/2020</a:t>
+              <a:t>1/21/2021</a:t>
             </a:fld>
             <a:endParaRPr lang="en-US"/>
           </a:p>
@@ -4500,91 +4500,6 @@
           </a:effectLst>
         </p:spPr>
       </p:sp>
-      <p:sp>
-        <p:nvSpPr>
-          <p:cNvPr id="2" name="Title 1">
-            <a:extLst>
-              <a:ext uri="{FF2B5EF4-FFF2-40B4-BE49-F238E27FC236}">
-                <a16:creationId xmlns:a16="http://schemas.microsoft.com/office/drawing/2014/main" id="{18C3B467-088C-4F3D-A9A7-105C4E1E20CD}"/>
-              </a:ext>
-            </a:extLst>
-          </p:cNvPr>
-          <p:cNvSpPr>
-            <a:spLocks noGrp="1"/>
-          </p:cNvSpPr>
-          <p:nvPr>
-            <p:ph type="ctrTitle"/>
-          </p:nvPr>
-        </p:nvSpPr>
-        <p:spPr>
-          <a:xfrm>
-            <a:off x="6033792" y="2613546"/>
-            <a:ext cx="4775075" cy="1630907"/>
-          </a:xfrm>
-        </p:spPr>
-        <p:txBody>
-          <a:bodyPr>
-            <a:normAutofit fontScale="90000"/>
-          </a:bodyPr>
-          <a:lstStyle/>
-          <a:p>
-            <a:r>
-              <a:rPr lang="en-US" sz="4400" dirty="0">
-                <a:solidFill>
-                  <a:schemeClr val="tx1"/>
-                </a:solidFill>
-              </a:rPr>
-              <a:t>COMP2</a:t>
-            </a:r>
-            <a:r>
-              <a:rPr lang="en-US" sz="4400" i="1" dirty="0">
-                <a:solidFill>
-                  <a:schemeClr val="tx1"/>
-                </a:solidFill>
-              </a:rPr>
-              <a:t>x</a:t>
-            </a:r>
-            <a:r>
-              <a:rPr lang="en-US" sz="4400" dirty="0">
-                <a:solidFill>
-                  <a:schemeClr val="tx1"/>
-                </a:solidFill>
-              </a:rPr>
-              <a:t>0:</a:t>
-            </a:r>
-            <a:br>
-              <a:rPr lang="en-US" sz="4400" dirty="0">
-                <a:solidFill>
-                  <a:schemeClr val="tx1"/>
-                </a:solidFill>
-              </a:rPr>
-            </a:br>
-            <a:r>
-              <a:rPr lang="en-US" sz="4400" dirty="0">
-                <a:solidFill>
-                  <a:schemeClr val="tx1"/>
-                </a:solidFill>
-              </a:rPr>
-              <a:t>Worksheet support</a:t>
-            </a:r>
-            <a:br>
-              <a:rPr lang="en-US" sz="4400" dirty="0">
-                <a:solidFill>
-                  <a:schemeClr val="tx1"/>
-                </a:solidFill>
-              </a:rPr>
-            </a:br>
-            <a:r>
-              <a:rPr lang="en-US" sz="3100" i="1" dirty="0">
-                <a:solidFill>
-                  <a:schemeClr val="tx1"/>
-                </a:solidFill>
-              </a:rPr>
-              <a:t>Week 3</a:t>
-            </a:r>
-          </a:p>
-        </p:txBody>
-      </p:sp>
       <p:pic>
         <p:nvPicPr>
           <p:cNvPr id="7" name="Picture 6">
@@ -4621,6 +4536,124 @@
           </a:prstGeom>
         </p:spPr>
       </p:pic>
+      <p:sp>
+        <p:nvSpPr>
+          <p:cNvPr id="9" name="Title 1">
+            <a:extLst>
+              <a:ext uri="{FF2B5EF4-FFF2-40B4-BE49-F238E27FC236}">
+                <a16:creationId xmlns:a16="http://schemas.microsoft.com/office/drawing/2014/main" id="{85BA5EB1-41D6-4E38-A31A-ACA75E1DD0D8}"/>
+              </a:ext>
+            </a:extLst>
+          </p:cNvPr>
+          <p:cNvSpPr>
+            <a:spLocks noGrp="1"/>
+          </p:cNvSpPr>
+          <p:nvPr>
+            <p:ph type="ctrTitle"/>
+          </p:nvPr>
+        </p:nvSpPr>
+        <p:spPr>
+          <a:xfrm>
+            <a:off x="6033793" y="2057400"/>
+            <a:ext cx="4775075" cy="2686050"/>
+          </a:xfrm>
+        </p:spPr>
+        <p:txBody>
+          <a:bodyPr>
+            <a:normAutofit fontScale="90000"/>
+          </a:bodyPr>
+          <a:lstStyle/>
+          <a:p>
+            <a:r>
+              <a:rPr lang="en-US" sz="4000" cap="none" dirty="0">
+                <a:solidFill>
+                  <a:schemeClr val="accent5"/>
+                </a:solidFill>
+              </a:rPr>
+              <a:t>COMP2</a:t>
+            </a:r>
+            <a:r>
+              <a:rPr lang="en-US" sz="4000" i="1" cap="none" dirty="0">
+                <a:solidFill>
+                  <a:schemeClr val="accent5"/>
+                </a:solidFill>
+              </a:rPr>
+              <a:t>x</a:t>
+            </a:r>
+            <a:r>
+              <a:rPr lang="en-US" sz="4000" cap="none" dirty="0">
+                <a:solidFill>
+                  <a:schemeClr val="accent5"/>
+                </a:solidFill>
+              </a:rPr>
+              <a:t>0/VR220</a:t>
+            </a:r>
+            <a:br>
+              <a:rPr lang="en-US" sz="4400" cap="none" dirty="0">
+                <a:solidFill>
+                  <a:schemeClr val="tx1"/>
+                </a:solidFill>
+              </a:rPr>
+            </a:br>
+            <a:r>
+              <a:rPr lang="en-US" sz="3600" cap="none" dirty="0">
+                <a:solidFill>
+                  <a:schemeClr val="tx1"/>
+                </a:solidFill>
+              </a:rPr>
+              <a:t>Portfolio Development/</a:t>
+            </a:r>
+            <a:br>
+              <a:rPr lang="en-US" sz="3600" cap="none" dirty="0">
+                <a:solidFill>
+                  <a:schemeClr val="tx1"/>
+                </a:solidFill>
+              </a:rPr>
+            </a:br>
+            <a:r>
+              <a:rPr lang="en-US" sz="3600" cap="none" dirty="0">
+                <a:solidFill>
+                  <a:schemeClr val="tx1"/>
+                </a:solidFill>
+              </a:rPr>
+              <a:t>Worksheet Support</a:t>
+            </a:r>
+            <a:br>
+              <a:rPr lang="en-US" sz="3600" cap="none" dirty="0">
+                <a:solidFill>
+                  <a:schemeClr val="tx1"/>
+                </a:solidFill>
+              </a:rPr>
+            </a:br>
+            <a:br>
+              <a:rPr lang="en-US" sz="4400" cap="none" dirty="0">
+                <a:solidFill>
+                  <a:schemeClr val="tx1"/>
+                </a:solidFill>
+              </a:rPr>
+            </a:br>
+            <a:r>
+              <a:rPr lang="en-US" sz="4400" b="1" cap="none">
+                <a:solidFill>
+                  <a:schemeClr val="accent4">
+                    <a:lumMod val="60000"/>
+                    <a:lumOff val="40000"/>
+                  </a:schemeClr>
+                </a:solidFill>
+              </a:rPr>
+              <a:t>Week 3:</a:t>
+            </a:r>
+            <a:endParaRPr lang="en-US" sz="4400" b="1" cap="none" dirty="0">
+              <a:solidFill>
+                <a:schemeClr val="accent4">
+                  <a:lumMod val="60000"/>
+                  <a:lumOff val="40000"/>
+                </a:schemeClr>
+              </a:solidFill>
+            </a:endParaRPr>
+          </a:p>
+        </p:txBody>
+      </p:sp>
     </p:spTree>
     <p:extLst>
       <p:ext uri="{BB962C8B-B14F-4D97-AF65-F5344CB8AC3E}">

--- a/COMP2x0-portfolio-workshop-03.pptx
+++ b/COMP2x0-portfolio-workshop-03.pptx
@@ -4,10 +4,19 @@
   <p:sldMasterIdLst>
     <p:sldMasterId id="2147483673" r:id="rId1"/>
   </p:sldMasterIdLst>
+  <p:notesMasterIdLst>
+    <p:notesMasterId r:id="rId11"/>
+  </p:notesMasterIdLst>
   <p:sldIdLst>
     <p:sldId id="257" r:id="rId2"/>
-    <p:sldId id="267" r:id="rId3"/>
-    <p:sldId id="265" r:id="rId4"/>
+    <p:sldId id="266" r:id="rId3"/>
+    <p:sldId id="270" r:id="rId4"/>
+    <p:sldId id="271" r:id="rId5"/>
+    <p:sldId id="273" r:id="rId6"/>
+    <p:sldId id="272" r:id="rId7"/>
+    <p:sldId id="274" r:id="rId8"/>
+    <p:sldId id="277" r:id="rId9"/>
+    <p:sldId id="276" r:id="rId10"/>
   </p:sldIdLst>
   <p:sldSz cx="12192000" cy="6858000"/>
   <p:notesSz cx="6858000" cy="9144000"/>
@@ -112,6 +121,737 @@
     </p:ext>
   </p:extLst>
 </p:presentation>
+</file>
+
+<file path=ppt/notesMasters/notesMaster1.xml><?xml version="1.0" encoding="utf-8"?>
+<p:notesMaster xmlns:a="http://schemas.openxmlformats.org/drawingml/2006/main" xmlns:r="http://schemas.openxmlformats.org/officeDocument/2006/relationships" xmlns:p="http://schemas.openxmlformats.org/presentationml/2006/main">
+  <p:cSld>
+    <p:bg>
+      <p:bgRef idx="1001">
+        <a:schemeClr val="bg1"/>
+      </p:bgRef>
+    </p:bg>
+    <p:spTree>
+      <p:nvGrpSpPr>
+        <p:cNvPr id="1" name=""/>
+        <p:cNvGrpSpPr/>
+        <p:nvPr/>
+      </p:nvGrpSpPr>
+      <p:grpSpPr>
+        <a:xfrm>
+          <a:off x="0" y="0"/>
+          <a:ext cx="0" cy="0"/>
+          <a:chOff x="0" y="0"/>
+          <a:chExt cx="0" cy="0"/>
+        </a:xfrm>
+      </p:grpSpPr>
+      <p:sp>
+        <p:nvSpPr>
+          <p:cNvPr id="2" name="Header Placeholder 1"/>
+          <p:cNvSpPr>
+            <a:spLocks noGrp="1"/>
+          </p:cNvSpPr>
+          <p:nvPr>
+            <p:ph type="hdr" sz="quarter"/>
+          </p:nvPr>
+        </p:nvSpPr>
+        <p:spPr>
+          <a:xfrm>
+            <a:off x="0" y="0"/>
+            <a:ext cx="2971800" cy="458788"/>
+          </a:xfrm>
+          <a:prstGeom prst="rect">
+            <a:avLst/>
+          </a:prstGeom>
+        </p:spPr>
+        <p:txBody>
+          <a:bodyPr vert="horz" lIns="91440" tIns="45720" rIns="91440" bIns="45720" rtlCol="0"/>
+          <a:lstStyle>
+            <a:lvl1pPr algn="l">
+              <a:defRPr sz="1200"/>
+            </a:lvl1pPr>
+          </a:lstStyle>
+          <a:p>
+            <a:endParaRPr lang="en-GB"/>
+          </a:p>
+        </p:txBody>
+      </p:sp>
+      <p:sp>
+        <p:nvSpPr>
+          <p:cNvPr id="3" name="Date Placeholder 2"/>
+          <p:cNvSpPr>
+            <a:spLocks noGrp="1"/>
+          </p:cNvSpPr>
+          <p:nvPr>
+            <p:ph type="dt" idx="1"/>
+          </p:nvPr>
+        </p:nvSpPr>
+        <p:spPr>
+          <a:xfrm>
+            <a:off x="3884613" y="0"/>
+            <a:ext cx="2971800" cy="458788"/>
+          </a:xfrm>
+          <a:prstGeom prst="rect">
+            <a:avLst/>
+          </a:prstGeom>
+        </p:spPr>
+        <p:txBody>
+          <a:bodyPr vert="horz" lIns="91440" tIns="45720" rIns="91440" bIns="45720" rtlCol="0"/>
+          <a:lstStyle>
+            <a:lvl1pPr algn="r">
+              <a:defRPr sz="1200"/>
+            </a:lvl1pPr>
+          </a:lstStyle>
+          <a:p>
+            <a:fld id="{65E8FB78-08AB-4B32-9D48-105F453CD8F2}" type="datetimeFigureOut">
+              <a:rPr lang="en-GB" smtClean="0"/>
+              <a:t>07/02/2021</a:t>
+            </a:fld>
+            <a:endParaRPr lang="en-GB"/>
+          </a:p>
+        </p:txBody>
+      </p:sp>
+      <p:sp>
+        <p:nvSpPr>
+          <p:cNvPr id="4" name="Slide Image Placeholder 3"/>
+          <p:cNvSpPr>
+            <a:spLocks noGrp="1" noRot="1" noChangeAspect="1"/>
+          </p:cNvSpPr>
+          <p:nvPr>
+            <p:ph type="sldImg" idx="2"/>
+          </p:nvPr>
+        </p:nvSpPr>
+        <p:spPr>
+          <a:xfrm>
+            <a:off x="685800" y="1143000"/>
+            <a:ext cx="5486400" cy="3086100"/>
+          </a:xfrm>
+          <a:prstGeom prst="rect">
+            <a:avLst/>
+          </a:prstGeom>
+          <a:noFill/>
+          <a:ln w="12700">
+            <a:solidFill>
+              <a:prstClr val="black"/>
+            </a:solidFill>
+          </a:ln>
+        </p:spPr>
+        <p:txBody>
+          <a:bodyPr vert="horz" lIns="91440" tIns="45720" rIns="91440" bIns="45720" rtlCol="0" anchor="ctr"/>
+          <a:lstStyle/>
+          <a:p>
+            <a:endParaRPr lang="en-GB"/>
+          </a:p>
+        </p:txBody>
+      </p:sp>
+      <p:sp>
+        <p:nvSpPr>
+          <p:cNvPr id="5" name="Notes Placeholder 4"/>
+          <p:cNvSpPr>
+            <a:spLocks noGrp="1"/>
+          </p:cNvSpPr>
+          <p:nvPr>
+            <p:ph type="body" sz="quarter" idx="3"/>
+          </p:nvPr>
+        </p:nvSpPr>
+        <p:spPr>
+          <a:xfrm>
+            <a:off x="685800" y="4400550"/>
+            <a:ext cx="5486400" cy="3600450"/>
+          </a:xfrm>
+          <a:prstGeom prst="rect">
+            <a:avLst/>
+          </a:prstGeom>
+        </p:spPr>
+        <p:txBody>
+          <a:bodyPr vert="horz" lIns="91440" tIns="45720" rIns="91440" bIns="45720" rtlCol="0"/>
+          <a:lstStyle/>
+          <a:p>
+            <a:pPr lvl="0"/>
+            <a:r>
+              <a:rPr lang="en-US"/>
+              <a:t>Click to edit Master text styles</a:t>
+            </a:r>
+          </a:p>
+          <a:p>
+            <a:pPr lvl="1"/>
+            <a:r>
+              <a:rPr lang="en-US"/>
+              <a:t>Second level</a:t>
+            </a:r>
+          </a:p>
+          <a:p>
+            <a:pPr lvl="2"/>
+            <a:r>
+              <a:rPr lang="en-US"/>
+              <a:t>Third level</a:t>
+            </a:r>
+          </a:p>
+          <a:p>
+            <a:pPr lvl="3"/>
+            <a:r>
+              <a:rPr lang="en-US"/>
+              <a:t>Fourth level</a:t>
+            </a:r>
+          </a:p>
+          <a:p>
+            <a:pPr lvl="4"/>
+            <a:r>
+              <a:rPr lang="en-US"/>
+              <a:t>Fifth level</a:t>
+            </a:r>
+            <a:endParaRPr lang="en-GB"/>
+          </a:p>
+        </p:txBody>
+      </p:sp>
+      <p:sp>
+        <p:nvSpPr>
+          <p:cNvPr id="6" name="Footer Placeholder 5"/>
+          <p:cNvSpPr>
+            <a:spLocks noGrp="1"/>
+          </p:cNvSpPr>
+          <p:nvPr>
+            <p:ph type="ftr" sz="quarter" idx="4"/>
+          </p:nvPr>
+        </p:nvSpPr>
+        <p:spPr>
+          <a:xfrm>
+            <a:off x="0" y="8685213"/>
+            <a:ext cx="2971800" cy="458787"/>
+          </a:xfrm>
+          <a:prstGeom prst="rect">
+            <a:avLst/>
+          </a:prstGeom>
+        </p:spPr>
+        <p:txBody>
+          <a:bodyPr vert="horz" lIns="91440" tIns="45720" rIns="91440" bIns="45720" rtlCol="0" anchor="b"/>
+          <a:lstStyle>
+            <a:lvl1pPr algn="l">
+              <a:defRPr sz="1200"/>
+            </a:lvl1pPr>
+          </a:lstStyle>
+          <a:p>
+            <a:endParaRPr lang="en-GB"/>
+          </a:p>
+        </p:txBody>
+      </p:sp>
+      <p:sp>
+        <p:nvSpPr>
+          <p:cNvPr id="7" name="Slide Number Placeholder 6"/>
+          <p:cNvSpPr>
+            <a:spLocks noGrp="1"/>
+          </p:cNvSpPr>
+          <p:nvPr>
+            <p:ph type="sldNum" sz="quarter" idx="5"/>
+          </p:nvPr>
+        </p:nvSpPr>
+        <p:spPr>
+          <a:xfrm>
+            <a:off x="3884613" y="8685213"/>
+            <a:ext cx="2971800" cy="458787"/>
+          </a:xfrm>
+          <a:prstGeom prst="rect">
+            <a:avLst/>
+          </a:prstGeom>
+        </p:spPr>
+        <p:txBody>
+          <a:bodyPr vert="horz" lIns="91440" tIns="45720" rIns="91440" bIns="45720" rtlCol="0" anchor="b"/>
+          <a:lstStyle>
+            <a:lvl1pPr algn="r">
+              <a:defRPr sz="1200"/>
+            </a:lvl1pPr>
+          </a:lstStyle>
+          <a:p>
+            <a:fld id="{6699A4A3-7651-427B-A468-1640FB6C2315}" type="slidenum">
+              <a:rPr lang="en-GB" smtClean="0"/>
+              <a:t>‹#›</a:t>
+            </a:fld>
+            <a:endParaRPr lang="en-GB"/>
+          </a:p>
+        </p:txBody>
+      </p:sp>
+    </p:spTree>
+    <p:extLst>
+      <p:ext uri="{BB962C8B-B14F-4D97-AF65-F5344CB8AC3E}">
+        <p14:creationId xmlns:p14="http://schemas.microsoft.com/office/powerpoint/2010/main" val="637362176"/>
+      </p:ext>
+    </p:extLst>
+  </p:cSld>
+  <p:clrMap bg1="lt1" tx1="dk1" bg2="lt2" tx2="dk2" accent1="accent1" accent2="accent2" accent3="accent3" accent4="accent4" accent5="accent5" accent6="accent6" hlink="hlink" folHlink="folHlink"/>
+  <p:notesStyle>
+    <a:lvl1pPr marL="0" algn="l" defTabSz="914400" rtl="0" eaLnBrk="1" latinLnBrk="0" hangingPunct="1">
+      <a:defRPr sz="1200" kern="1200">
+        <a:solidFill>
+          <a:schemeClr val="tx1"/>
+        </a:solidFill>
+        <a:latin typeface="+mn-lt"/>
+        <a:ea typeface="+mn-ea"/>
+        <a:cs typeface="+mn-cs"/>
+      </a:defRPr>
+    </a:lvl1pPr>
+    <a:lvl2pPr marL="457200" algn="l" defTabSz="914400" rtl="0" eaLnBrk="1" latinLnBrk="0" hangingPunct="1">
+      <a:defRPr sz="1200" kern="1200">
+        <a:solidFill>
+          <a:schemeClr val="tx1"/>
+        </a:solidFill>
+        <a:latin typeface="+mn-lt"/>
+        <a:ea typeface="+mn-ea"/>
+        <a:cs typeface="+mn-cs"/>
+      </a:defRPr>
+    </a:lvl2pPr>
+    <a:lvl3pPr marL="914400" algn="l" defTabSz="914400" rtl="0" eaLnBrk="1" latinLnBrk="0" hangingPunct="1">
+      <a:defRPr sz="1200" kern="1200">
+        <a:solidFill>
+          <a:schemeClr val="tx1"/>
+        </a:solidFill>
+        <a:latin typeface="+mn-lt"/>
+        <a:ea typeface="+mn-ea"/>
+        <a:cs typeface="+mn-cs"/>
+      </a:defRPr>
+    </a:lvl3pPr>
+    <a:lvl4pPr marL="1371600" algn="l" defTabSz="914400" rtl="0" eaLnBrk="1" latinLnBrk="0" hangingPunct="1">
+      <a:defRPr sz="1200" kern="1200">
+        <a:solidFill>
+          <a:schemeClr val="tx1"/>
+        </a:solidFill>
+        <a:latin typeface="+mn-lt"/>
+        <a:ea typeface="+mn-ea"/>
+        <a:cs typeface="+mn-cs"/>
+      </a:defRPr>
+    </a:lvl4pPr>
+    <a:lvl5pPr marL="1828800" algn="l" defTabSz="914400" rtl="0" eaLnBrk="1" latinLnBrk="0" hangingPunct="1">
+      <a:defRPr sz="1200" kern="1200">
+        <a:solidFill>
+          <a:schemeClr val="tx1"/>
+        </a:solidFill>
+        <a:latin typeface="+mn-lt"/>
+        <a:ea typeface="+mn-ea"/>
+        <a:cs typeface="+mn-cs"/>
+      </a:defRPr>
+    </a:lvl5pPr>
+    <a:lvl6pPr marL="2286000" algn="l" defTabSz="914400" rtl="0" eaLnBrk="1" latinLnBrk="0" hangingPunct="1">
+      <a:defRPr sz="1200" kern="1200">
+        <a:solidFill>
+          <a:schemeClr val="tx1"/>
+        </a:solidFill>
+        <a:latin typeface="+mn-lt"/>
+        <a:ea typeface="+mn-ea"/>
+        <a:cs typeface="+mn-cs"/>
+      </a:defRPr>
+    </a:lvl6pPr>
+    <a:lvl7pPr marL="2743200" algn="l" defTabSz="914400" rtl="0" eaLnBrk="1" latinLnBrk="0" hangingPunct="1">
+      <a:defRPr sz="1200" kern="1200">
+        <a:solidFill>
+          <a:schemeClr val="tx1"/>
+        </a:solidFill>
+        <a:latin typeface="+mn-lt"/>
+        <a:ea typeface="+mn-ea"/>
+        <a:cs typeface="+mn-cs"/>
+      </a:defRPr>
+    </a:lvl7pPr>
+    <a:lvl8pPr marL="3200400" algn="l" defTabSz="914400" rtl="0" eaLnBrk="1" latinLnBrk="0" hangingPunct="1">
+      <a:defRPr sz="1200" kern="1200">
+        <a:solidFill>
+          <a:schemeClr val="tx1"/>
+        </a:solidFill>
+        <a:latin typeface="+mn-lt"/>
+        <a:ea typeface="+mn-ea"/>
+        <a:cs typeface="+mn-cs"/>
+      </a:defRPr>
+    </a:lvl8pPr>
+    <a:lvl9pPr marL="3657600" algn="l" defTabSz="914400" rtl="0" eaLnBrk="1" latinLnBrk="0" hangingPunct="1">
+      <a:defRPr sz="1200" kern="1200">
+        <a:solidFill>
+          <a:schemeClr val="tx1"/>
+        </a:solidFill>
+        <a:latin typeface="+mn-lt"/>
+        <a:ea typeface="+mn-ea"/>
+        <a:cs typeface="+mn-cs"/>
+      </a:defRPr>
+    </a:lvl9pPr>
+  </p:notesStyle>
+</p:notesMaster>
+</file>
+
+<file path=ppt/notesSlides/notesSlide1.xml><?xml version="1.0" encoding="utf-8"?>
+<p:notes xmlns:a="http://schemas.openxmlformats.org/drawingml/2006/main" xmlns:r="http://schemas.openxmlformats.org/officeDocument/2006/relationships" xmlns:p="http://schemas.openxmlformats.org/presentationml/2006/main">
+  <p:cSld>
+    <p:spTree>
+      <p:nvGrpSpPr>
+        <p:cNvPr id="1" name=""/>
+        <p:cNvGrpSpPr/>
+        <p:nvPr/>
+      </p:nvGrpSpPr>
+      <p:grpSpPr>
+        <a:xfrm>
+          <a:off x="0" y="0"/>
+          <a:ext cx="0" cy="0"/>
+          <a:chOff x="0" y="0"/>
+          <a:chExt cx="0" cy="0"/>
+        </a:xfrm>
+      </p:grpSpPr>
+      <p:sp>
+        <p:nvSpPr>
+          <p:cNvPr id="2" name="Slide Image Placeholder 1"/>
+          <p:cNvSpPr>
+            <a:spLocks noGrp="1" noRot="1" noChangeAspect="1"/>
+          </p:cNvSpPr>
+          <p:nvPr>
+            <p:ph type="sldImg"/>
+          </p:nvPr>
+        </p:nvSpPr>
+        <p:spPr/>
+      </p:sp>
+      <p:sp>
+        <p:nvSpPr>
+          <p:cNvPr id="3" name="Notes Placeholder 2"/>
+          <p:cNvSpPr>
+            <a:spLocks noGrp="1"/>
+          </p:cNvSpPr>
+          <p:nvPr>
+            <p:ph type="body" idx="1"/>
+          </p:nvPr>
+        </p:nvSpPr>
+        <p:spPr/>
+        <p:txBody>
+          <a:bodyPr/>
+          <a:lstStyle/>
+          <a:p>
+            <a:r>
+              <a:rPr lang="en-GB" dirty="0"/>
+              <a:t>When might you be called upon to defend an argument?</a:t>
+            </a:r>
+          </a:p>
+          <a:p>
+            <a:pPr marL="171450" indent="-171450">
+              <a:buFont typeface="Arial" panose="020B0604020202020204" pitchFamily="34" charset="0"/>
+              <a:buChar char="•"/>
+            </a:pPr>
+            <a:r>
+              <a:rPr lang="en-GB" dirty="0"/>
+              <a:t>Scientific papers</a:t>
+            </a:r>
+          </a:p>
+          <a:p>
+            <a:pPr marL="171450" indent="-171450">
+              <a:buFont typeface="Arial" panose="020B0604020202020204" pitchFamily="34" charset="0"/>
+              <a:buChar char="•"/>
+            </a:pPr>
+            <a:r>
+              <a:rPr lang="en-GB" dirty="0"/>
+              <a:t>Research grant/other funding applications</a:t>
+            </a:r>
+          </a:p>
+          <a:p>
+            <a:pPr marL="171450" indent="-171450">
+              <a:buFont typeface="Arial" panose="020B0604020202020204" pitchFamily="34" charset="0"/>
+              <a:buChar char="•"/>
+            </a:pPr>
+            <a:r>
+              <a:rPr lang="en-GB" dirty="0"/>
+              <a:t>Debates</a:t>
+            </a:r>
+          </a:p>
+        </p:txBody>
+      </p:sp>
+      <p:sp>
+        <p:nvSpPr>
+          <p:cNvPr id="4" name="Slide Number Placeholder 3"/>
+          <p:cNvSpPr>
+            <a:spLocks noGrp="1"/>
+          </p:cNvSpPr>
+          <p:nvPr>
+            <p:ph type="sldNum" sz="quarter" idx="5"/>
+          </p:nvPr>
+        </p:nvSpPr>
+        <p:spPr/>
+        <p:txBody>
+          <a:bodyPr/>
+          <a:lstStyle/>
+          <a:p>
+            <a:fld id="{6699A4A3-7651-427B-A468-1640FB6C2315}" type="slidenum">
+              <a:rPr lang="en-GB" smtClean="0"/>
+              <a:t>4</a:t>
+            </a:fld>
+            <a:endParaRPr lang="en-GB"/>
+          </a:p>
+        </p:txBody>
+      </p:sp>
+    </p:spTree>
+    <p:extLst>
+      <p:ext uri="{BB962C8B-B14F-4D97-AF65-F5344CB8AC3E}">
+        <p14:creationId xmlns:p14="http://schemas.microsoft.com/office/powerpoint/2010/main" val="1969302110"/>
+      </p:ext>
+    </p:extLst>
+  </p:cSld>
+  <p:clrMapOvr>
+    <a:masterClrMapping/>
+  </p:clrMapOvr>
+</p:notes>
+</file>
+
+<file path=ppt/notesSlides/notesSlide2.xml><?xml version="1.0" encoding="utf-8"?>
+<p:notes xmlns:a="http://schemas.openxmlformats.org/drawingml/2006/main" xmlns:r="http://schemas.openxmlformats.org/officeDocument/2006/relationships" xmlns:p="http://schemas.openxmlformats.org/presentationml/2006/main">
+  <p:cSld>
+    <p:spTree>
+      <p:nvGrpSpPr>
+        <p:cNvPr id="1" name=""/>
+        <p:cNvGrpSpPr/>
+        <p:nvPr/>
+      </p:nvGrpSpPr>
+      <p:grpSpPr>
+        <a:xfrm>
+          <a:off x="0" y="0"/>
+          <a:ext cx="0" cy="0"/>
+          <a:chOff x="0" y="0"/>
+          <a:chExt cx="0" cy="0"/>
+        </a:xfrm>
+      </p:grpSpPr>
+      <p:sp>
+        <p:nvSpPr>
+          <p:cNvPr id="2" name="Slide Image Placeholder 1"/>
+          <p:cNvSpPr>
+            <a:spLocks noGrp="1" noRot="1" noChangeAspect="1"/>
+          </p:cNvSpPr>
+          <p:nvPr>
+            <p:ph type="sldImg"/>
+          </p:nvPr>
+        </p:nvSpPr>
+        <p:spPr/>
+      </p:sp>
+      <p:sp>
+        <p:nvSpPr>
+          <p:cNvPr id="3" name="Notes Placeholder 2"/>
+          <p:cNvSpPr>
+            <a:spLocks noGrp="1"/>
+          </p:cNvSpPr>
+          <p:nvPr>
+            <p:ph type="body" idx="1"/>
+          </p:nvPr>
+        </p:nvSpPr>
+        <p:spPr/>
+        <p:txBody>
+          <a:bodyPr/>
+          <a:lstStyle/>
+          <a:p>
+            <a:r>
+              <a:rPr lang="en-GB" dirty="0"/>
+              <a:t>How would you convince someone who disagreed with you that your opinion is correct?</a:t>
+            </a:r>
+          </a:p>
+        </p:txBody>
+      </p:sp>
+      <p:sp>
+        <p:nvSpPr>
+          <p:cNvPr id="4" name="Slide Number Placeholder 3"/>
+          <p:cNvSpPr>
+            <a:spLocks noGrp="1"/>
+          </p:cNvSpPr>
+          <p:nvPr>
+            <p:ph type="sldNum" sz="quarter" idx="5"/>
+          </p:nvPr>
+        </p:nvSpPr>
+        <p:spPr/>
+        <p:txBody>
+          <a:bodyPr/>
+          <a:lstStyle/>
+          <a:p>
+            <a:fld id="{6699A4A3-7651-427B-A468-1640FB6C2315}" type="slidenum">
+              <a:rPr lang="en-GB" smtClean="0"/>
+              <a:t>5</a:t>
+            </a:fld>
+            <a:endParaRPr lang="en-GB"/>
+          </a:p>
+        </p:txBody>
+      </p:sp>
+    </p:spTree>
+    <p:extLst>
+      <p:ext uri="{BB962C8B-B14F-4D97-AF65-F5344CB8AC3E}">
+        <p14:creationId xmlns:p14="http://schemas.microsoft.com/office/powerpoint/2010/main" val="1072174633"/>
+      </p:ext>
+    </p:extLst>
+  </p:cSld>
+  <p:clrMapOvr>
+    <a:masterClrMapping/>
+  </p:clrMapOvr>
+</p:notes>
+</file>
+
+<file path=ppt/notesSlides/notesSlide3.xml><?xml version="1.0" encoding="utf-8"?>
+<p:notes xmlns:a="http://schemas.openxmlformats.org/drawingml/2006/main" xmlns:r="http://schemas.openxmlformats.org/officeDocument/2006/relationships" xmlns:p="http://schemas.openxmlformats.org/presentationml/2006/main">
+  <p:cSld>
+    <p:spTree>
+      <p:nvGrpSpPr>
+        <p:cNvPr id="1" name=""/>
+        <p:cNvGrpSpPr/>
+        <p:nvPr/>
+      </p:nvGrpSpPr>
+      <p:grpSpPr>
+        <a:xfrm>
+          <a:off x="0" y="0"/>
+          <a:ext cx="0" cy="0"/>
+          <a:chOff x="0" y="0"/>
+          <a:chExt cx="0" cy="0"/>
+        </a:xfrm>
+      </p:grpSpPr>
+      <p:sp>
+        <p:nvSpPr>
+          <p:cNvPr id="2" name="Slide Image Placeholder 1"/>
+          <p:cNvSpPr>
+            <a:spLocks noGrp="1" noRot="1" noChangeAspect="1"/>
+          </p:cNvSpPr>
+          <p:nvPr>
+            <p:ph type="sldImg"/>
+          </p:nvPr>
+        </p:nvSpPr>
+        <p:spPr/>
+      </p:sp>
+      <p:sp>
+        <p:nvSpPr>
+          <p:cNvPr id="3" name="Notes Placeholder 2"/>
+          <p:cNvSpPr>
+            <a:spLocks noGrp="1"/>
+          </p:cNvSpPr>
+          <p:nvPr>
+            <p:ph type="body" idx="1"/>
+          </p:nvPr>
+        </p:nvSpPr>
+        <p:spPr/>
+        <p:txBody>
+          <a:bodyPr/>
+          <a:lstStyle/>
+          <a:p>
+            <a:r>
+              <a:rPr lang="en-GB" dirty="0"/>
+              <a:t>Any other techniques used by the authors to convince the reader?</a:t>
+            </a:r>
+          </a:p>
+          <a:p>
+            <a:pPr marL="171450" indent="-171450">
+              <a:buFont typeface="Arial" panose="020B0604020202020204" pitchFamily="34" charset="0"/>
+              <a:buChar char="•"/>
+            </a:pPr>
+            <a:r>
+              <a:rPr lang="en-GB" dirty="0"/>
+              <a:t>Data with interpretation (BAME)</a:t>
+            </a:r>
+          </a:p>
+          <a:p>
+            <a:pPr marL="171450" indent="-171450">
+              <a:buFont typeface="Arial" panose="020B0604020202020204" pitchFamily="34" charset="0"/>
+              <a:buChar char="•"/>
+            </a:pPr>
+            <a:r>
+              <a:rPr lang="en-GB" dirty="0"/>
+              <a:t>Appeals to emotion (farmers &amp; fishers – “slide towards bankruptcy”)</a:t>
+            </a:r>
+          </a:p>
+          <a:p>
+            <a:pPr marL="171450" indent="-171450">
+              <a:buFont typeface="Arial" panose="020B0604020202020204" pitchFamily="34" charset="0"/>
+              <a:buChar char="•"/>
+            </a:pPr>
+            <a:r>
+              <a:rPr lang="en-GB" dirty="0"/>
+              <a:t>Sarcasm/belittling (same – “to the best of my knowledge”, “plainly”)</a:t>
+            </a:r>
+          </a:p>
+          <a:p>
+            <a:pPr marL="171450" indent="-171450">
+              <a:buFont typeface="Arial" panose="020B0604020202020204" pitchFamily="34" charset="0"/>
+              <a:buChar char="•"/>
+            </a:pPr>
+            <a:r>
+              <a:rPr lang="en-GB" dirty="0"/>
+              <a:t>Analogy (same – “if a car design is unsafe”)</a:t>
+            </a:r>
+          </a:p>
+          <a:p>
+            <a:pPr marL="171450" indent="-171450">
+              <a:buFont typeface="Arial" panose="020B0604020202020204" pitchFamily="34" charset="0"/>
+              <a:buChar char="•"/>
+            </a:pPr>
+            <a:r>
+              <a:rPr lang="en-GB" dirty="0"/>
+              <a:t>Personal experience as evidence of authority (BAME, CS); ~ practice-based research</a:t>
+            </a:r>
+          </a:p>
+          <a:p>
+            <a:pPr marL="171450" indent="-171450">
+              <a:buFont typeface="Arial" panose="020B0604020202020204" pitchFamily="34" charset="0"/>
+              <a:buChar char="•"/>
+            </a:pPr>
+            <a:r>
+              <a:rPr lang="en-GB" dirty="0"/>
+              <a:t>Posing questions (CS – “perhaps it’s more efficient to allow computer scientists to do what we’re best at – writing code - and have other people regulate our products?”: considering alternative and refuting)</a:t>
+            </a:r>
+          </a:p>
+          <a:p>
+            <a:pPr marL="171450" indent="-171450">
+              <a:buFont typeface="Arial" panose="020B0604020202020204" pitchFamily="34" charset="0"/>
+              <a:buChar char="•"/>
+            </a:pPr>
+            <a:r>
+              <a:rPr lang="en-GB" dirty="0"/>
+              <a:t>Sympathy with opposing views (capitol – “the impulse [to build a fence] is understandable”)</a:t>
+            </a:r>
+          </a:p>
+          <a:p>
+            <a:pPr marL="171450" indent="-171450">
+              <a:buFont typeface="Arial" panose="020B0604020202020204" pitchFamily="34" charset="0"/>
+              <a:buChar char="•"/>
+            </a:pPr>
+            <a:r>
+              <a:rPr lang="en-GB" dirty="0"/>
+              <a:t>Imagery (capitol – tourists, children playing in the snow)</a:t>
+            </a:r>
+          </a:p>
+          <a:p>
+            <a:pPr marL="171450" indent="-171450">
+              <a:buFont typeface="Arial" panose="020B0604020202020204" pitchFamily="34" charset="0"/>
+              <a:buChar char="•"/>
+            </a:pPr>
+            <a:r>
+              <a:rPr lang="en-GB" dirty="0"/>
+              <a:t>Ideology (capitol – reference to government as “for the people”, “tangible manifestation”)</a:t>
+            </a:r>
+          </a:p>
+        </p:txBody>
+      </p:sp>
+      <p:sp>
+        <p:nvSpPr>
+          <p:cNvPr id="4" name="Slide Number Placeholder 3"/>
+          <p:cNvSpPr>
+            <a:spLocks noGrp="1"/>
+          </p:cNvSpPr>
+          <p:nvPr>
+            <p:ph type="sldNum" sz="quarter" idx="5"/>
+          </p:nvPr>
+        </p:nvSpPr>
+        <p:spPr/>
+        <p:txBody>
+          <a:bodyPr/>
+          <a:lstStyle/>
+          <a:p>
+            <a:fld id="{6699A4A3-7651-427B-A468-1640FB6C2315}" type="slidenum">
+              <a:rPr lang="en-GB" smtClean="0"/>
+              <a:t>8</a:t>
+            </a:fld>
+            <a:endParaRPr lang="en-GB"/>
+          </a:p>
+        </p:txBody>
+      </p:sp>
+    </p:spTree>
+    <p:extLst>
+      <p:ext uri="{BB962C8B-B14F-4D97-AF65-F5344CB8AC3E}">
+        <p14:creationId xmlns:p14="http://schemas.microsoft.com/office/powerpoint/2010/main" val="61615481"/>
+      </p:ext>
+    </p:extLst>
+  </p:cSld>
+  <p:clrMapOvr>
+    <a:masterClrMapping/>
+  </p:clrMapOvr>
+</p:notes>
 </file>
 
 <file path=ppt/slideLayouts/slideLayout1.xml><?xml version="1.0" encoding="utf-8"?>
@@ -583,7 +1323,7 @@
           <a:p>
             <a:fld id="{EA0C0817-A112-4847-8014-A94B7D2A4EA3}" type="datetime1">
               <a:rPr lang="en-US" smtClean="0"/>
-              <a:t>1/21/2021</a:t>
+              <a:t>2/7/2021</a:t>
             </a:fld>
             <a:endParaRPr lang="en-US" dirty="0"/>
           </a:p>
@@ -785,7 +1525,7 @@
           <a:p>
             <a:fld id="{134F40B7-36AB-4376-BE14-EF7004D79BB9}" type="datetime1">
               <a:rPr lang="en-US" smtClean="0"/>
-              <a:t>1/21/2021</a:t>
+              <a:t>2/7/2021</a:t>
             </a:fld>
             <a:endParaRPr lang="en-US"/>
           </a:p>
@@ -965,7 +1705,7 @@
           <a:p>
             <a:fld id="{FF87CAB8-DCAE-46A5-AADA-B3FAD11A54E0}" type="datetime1">
               <a:rPr lang="en-US" smtClean="0"/>
-              <a:t>1/21/2021</a:t>
+              <a:t>2/7/2021</a:t>
             </a:fld>
             <a:endParaRPr lang="en-US"/>
           </a:p>
@@ -1135,7 +1875,7 @@
           <a:p>
             <a:fld id="{7332B432-ACDA-4023-A761-2BAB76577B62}" type="datetime1">
               <a:rPr lang="en-US" smtClean="0"/>
-              <a:t>1/21/2021</a:t>
+              <a:t>2/7/2021</a:t>
             </a:fld>
             <a:endParaRPr lang="en-US"/>
           </a:p>
@@ -1734,7 +2474,7 @@
           <a:p>
             <a:fld id="{D9C646AA-F36E-4540-911D-FFFC0A0EF24A}" type="datetime1">
               <a:rPr lang="en-US" smtClean="0"/>
-              <a:t>1/21/2021</a:t>
+              <a:t>2/7/2021</a:t>
             </a:fld>
             <a:endParaRPr lang="en-US" dirty="0"/>
           </a:p>
@@ -2054,7 +2794,7 @@
           <a:p>
             <a:fld id="{69186D26-FA5F-4637-B602-B7C2DC34CFD4}" type="datetime1">
               <a:rPr lang="en-US" smtClean="0"/>
-              <a:t>1/21/2021</a:t>
+              <a:t>2/7/2021</a:t>
             </a:fld>
             <a:endParaRPr lang="en-US"/>
           </a:p>
@@ -2491,7 +3231,7 @@
           <a:p>
             <a:fld id="{8A7F15D8-96D1-4781-BC50-CA8A088B2FE4}" type="datetime1">
               <a:rPr lang="en-US" smtClean="0"/>
-              <a:t>1/21/2021</a:t>
+              <a:t>2/7/2021</a:t>
             </a:fld>
             <a:endParaRPr lang="en-US"/>
           </a:p>
@@ -2609,7 +3349,7 @@
           <a:p>
             <a:fld id="{F9A96C99-B8F8-4528-BD05-0E16E943DC09}" type="datetime1">
               <a:rPr lang="en-US" smtClean="0"/>
-              <a:t>1/21/2021</a:t>
+              <a:t>2/7/2021</a:t>
             </a:fld>
             <a:endParaRPr lang="en-US"/>
           </a:p>
@@ -2704,7 +3444,7 @@
           <a:p>
             <a:fld id="{03636942-C211-4B28-8DBD-C953E00AF71B}" type="datetime1">
               <a:rPr lang="en-US" smtClean="0"/>
-              <a:t>1/21/2021</a:t>
+              <a:t>2/7/2021</a:t>
             </a:fld>
             <a:endParaRPr lang="en-US"/>
           </a:p>
@@ -3121,7 +3861,7 @@
           <a:p>
             <a:fld id="{7E8D12A6-918A-48BD-8CB9-CA713993B0EA}" type="datetime1">
               <a:rPr lang="en-US" smtClean="0"/>
-              <a:t>1/21/2021</a:t>
+              <a:t>2/7/2021</a:t>
             </a:fld>
             <a:endParaRPr lang="en-US"/>
           </a:p>
@@ -3383,7 +4123,7 @@
             <a:fld id="{E778CE86-875F-4587-BCF6-FA054AFC0D53}" type="datetime1">
               <a:rPr lang="en-US" smtClean="0"/>
               <a:pPr/>
-              <a:t>1/21/2021</a:t>
+              <a:t>2/7/2021</a:t>
             </a:fld>
             <a:endParaRPr lang="en-US" dirty="0"/>
           </a:p>
@@ -3899,7 +4639,7 @@
           <a:p>
             <a:fld id="{F6FA2B21-3FCD-4721-B95C-427943F61125}" type="datetime1">
               <a:rPr lang="en-US" smtClean="0"/>
-              <a:t>1/21/2021</a:t>
+              <a:t>2/7/2021</a:t>
             </a:fld>
             <a:endParaRPr lang="en-US"/>
           </a:p>
@@ -4633,7 +5373,7 @@
               </a:rPr>
             </a:br>
             <a:r>
-              <a:rPr lang="en-US" sz="4400" b="1" cap="none">
+              <a:rPr lang="en-US" sz="4400" b="1" cap="none" dirty="0">
                 <a:solidFill>
                   <a:schemeClr val="accent4">
                     <a:lumMod val="60000"/>
@@ -4641,16 +5381,8 @@
                   </a:schemeClr>
                 </a:solidFill>
               </a:rPr>
-              <a:t>Week 3:</a:t>
-            </a:r>
-            <a:endParaRPr lang="en-US" sz="4400" b="1" cap="none" dirty="0">
-              <a:solidFill>
-                <a:schemeClr val="accent4">
-                  <a:lumMod val="60000"/>
-                  <a:lumOff val="40000"/>
-                </a:schemeClr>
-              </a:solidFill>
-            </a:endParaRPr>
+              <a:t>Week 3: Defending an Argument</a:t>
+            </a:r>
           </a:p>
         </p:txBody>
       </p:sp>
@@ -4689,7 +5421,7 @@
           <p:cNvPr id="2" name="Title 1">
             <a:extLst>
               <a:ext uri="{FF2B5EF4-FFF2-40B4-BE49-F238E27FC236}">
-                <a16:creationId xmlns:a16="http://schemas.microsoft.com/office/drawing/2014/main" id="{9398AFCC-3409-4D1F-A6F5-215236764F11}"/>
+                <a16:creationId xmlns:a16="http://schemas.microsoft.com/office/drawing/2014/main" id="{740883A8-9D4E-47E0-9A31-F6E00FE4A29F}"/>
               </a:ext>
             </a:extLst>
           </p:cNvPr>
@@ -4707,374 +5439,480 @@
           <a:p>
             <a:r>
               <a:rPr lang="en-GB" dirty="0"/>
-              <a:t>Timeline</a:t>
-            </a:r>
-          </a:p>
-        </p:txBody>
-      </p:sp>
-      <p:pic>
-        <p:nvPicPr>
-          <p:cNvPr id="3" name="Picture 2">
+              <a:t>Poster marks allocation</a:t>
+            </a:r>
+          </a:p>
+        </p:txBody>
+      </p:sp>
+      <p:sp>
+        <p:nvSpPr>
+          <p:cNvPr id="3" name="Content Placeholder 2">
             <a:extLst>
               <a:ext uri="{FF2B5EF4-FFF2-40B4-BE49-F238E27FC236}">
-                <a16:creationId xmlns:a16="http://schemas.microsoft.com/office/drawing/2014/main" id="{091683AF-E17D-41F3-A73D-95BB33BBF953}"/>
+                <a16:creationId xmlns:a16="http://schemas.microsoft.com/office/drawing/2014/main" id="{0470FC95-F41E-4256-A4D1-BB3023495100}"/>
               </a:ext>
             </a:extLst>
           </p:cNvPr>
-          <p:cNvPicPr>
-            <a:picLocks noChangeAspect="1"/>
-          </p:cNvPicPr>
-          <p:nvPr/>
-        </p:nvPicPr>
-        <p:blipFill>
-          <a:blip r:embed="rId2"/>
-          <a:stretch>
-            <a:fillRect/>
-          </a:stretch>
-        </p:blipFill>
+          <p:cNvSpPr>
+            <a:spLocks noGrp="1"/>
+          </p:cNvSpPr>
+          <p:nvPr>
+            <p:ph sz="half" idx="1"/>
+          </p:nvPr>
+        </p:nvSpPr>
         <p:spPr>
           <a:xfrm>
-            <a:off x="3932171" y="491545"/>
-            <a:ext cx="4327658" cy="5874910"/>
+            <a:off x="1066800" y="2103120"/>
+            <a:ext cx="5029200" cy="4208228"/>
           </a:xfrm>
-          <a:prstGeom prst="rect">
-            <a:avLst/>
-          </a:prstGeom>
         </p:spPr>
-      </p:pic>
-      <p:sp>
-        <p:nvSpPr>
-          <p:cNvPr id="5" name="Multiplication Sign 4">
+        <p:txBody>
+          <a:bodyPr>
+            <a:normAutofit/>
+          </a:bodyPr>
+          <a:lstStyle/>
+          <a:p>
+            <a:pPr marL="0" indent="0">
+              <a:buNone/>
+            </a:pPr>
+            <a:r>
+              <a:rPr lang="en-GB" b="1" dirty="0"/>
+              <a:t>COMP2x0</a:t>
+            </a:r>
+          </a:p>
+          <a:p>
+            <a:r>
+              <a:rPr lang="en-GB" dirty="0"/>
+              <a:t>Threshold: 30%</a:t>
+            </a:r>
+          </a:p>
+          <a:p>
+            <a:r>
+              <a:rPr lang="en-GB" dirty="0"/>
+              <a:t>Description of architecture: 10%</a:t>
+            </a:r>
+          </a:p>
+          <a:p>
+            <a:r>
+              <a:rPr lang="en-GB" dirty="0"/>
+              <a:t>UML diagram: 10%</a:t>
+            </a:r>
+          </a:p>
+          <a:p>
+            <a:r>
+              <a:rPr lang="en-GB" dirty="0"/>
+              <a:t>Appropriateness of artefact design: 15%</a:t>
+            </a:r>
+          </a:p>
+          <a:p>
+            <a:r>
+              <a:rPr lang="en-GB" dirty="0"/>
+              <a:t>Context for practice-based research: 10%</a:t>
+            </a:r>
+          </a:p>
+          <a:p>
+            <a:r>
+              <a:rPr lang="en-GB" dirty="0"/>
+              <a:t>Defence of argument: 10%</a:t>
+            </a:r>
+          </a:p>
+          <a:p>
+            <a:r>
+              <a:rPr lang="en-GB" dirty="0"/>
+              <a:t>Appropriateness of practice-based research methods: 10%</a:t>
+            </a:r>
+          </a:p>
+          <a:p>
+            <a:r>
+              <a:rPr lang="en-GB" dirty="0"/>
+              <a:t>Academic conventions: 5%</a:t>
+            </a:r>
+          </a:p>
+          <a:p>
+            <a:pPr lvl="1"/>
+            <a:endParaRPr lang="en-GB" dirty="0"/>
+          </a:p>
+        </p:txBody>
+      </p:sp>
+      <p:sp>
+        <p:nvSpPr>
+          <p:cNvPr id="4" name="Content Placeholder 3">
             <a:extLst>
               <a:ext uri="{FF2B5EF4-FFF2-40B4-BE49-F238E27FC236}">
-                <a16:creationId xmlns:a16="http://schemas.microsoft.com/office/drawing/2014/main" id="{16A6878F-C78B-47FC-A40D-FF141A7B3FE8}"/>
+                <a16:creationId xmlns:a16="http://schemas.microsoft.com/office/drawing/2014/main" id="{0AD77547-8D70-4157-A946-B66EB661B455}"/>
               </a:ext>
             </a:extLst>
           </p:cNvPr>
-          <p:cNvSpPr/>
-          <p:nvPr/>
+          <p:cNvSpPr>
+            <a:spLocks noGrp="1"/>
+          </p:cNvSpPr>
+          <p:nvPr>
+            <p:ph sz="half" idx="2"/>
+          </p:nvPr>
         </p:nvSpPr>
         <p:spPr>
           <a:xfrm>
-            <a:off x="3522518" y="779318"/>
-            <a:ext cx="4327658" cy="834004"/>
+            <a:off x="6461760" y="2103120"/>
+            <a:ext cx="4663440" cy="4208228"/>
           </a:xfrm>
-          <a:prstGeom prst="mathMultiply">
-            <a:avLst/>
-          </a:prstGeom>
-          <a:solidFill>
-            <a:schemeClr val="tx1">
-              <a:lumMod val="85000"/>
-              <a:lumOff val="15000"/>
-            </a:schemeClr>
-          </a:solidFill>
-          <a:ln>
-            <a:solidFill>
-              <a:schemeClr val="tx1">
-                <a:lumMod val="85000"/>
-                <a:lumOff val="15000"/>
-              </a:schemeClr>
-            </a:solidFill>
-          </a:ln>
         </p:spPr>
-        <p:style>
-          <a:lnRef idx="2">
-            <a:schemeClr val="accent1">
-              <a:shade val="50000"/>
-            </a:schemeClr>
-          </a:lnRef>
-          <a:fillRef idx="1">
-            <a:schemeClr val="accent1"/>
-          </a:fillRef>
-          <a:effectRef idx="0">
-            <a:schemeClr val="accent1"/>
-          </a:effectRef>
-          <a:fontRef idx="minor">
-            <a:schemeClr val="lt1"/>
-          </a:fontRef>
-        </p:style>
-        <p:txBody>
-          <a:bodyPr rtlCol="0" anchor="ctr"/>
+        <p:txBody>
+          <a:bodyPr>
+            <a:normAutofit/>
+          </a:bodyPr>
           <a:lstStyle/>
           <a:p>
-            <a:pPr algn="ctr"/>
-            <a:endParaRPr lang="en-GB">
-              <a:solidFill>
-                <a:srgbClr val="C00000"/>
-              </a:solidFill>
-            </a:endParaRPr>
-          </a:p>
-        </p:txBody>
-      </p:sp>
-      <p:sp>
-        <p:nvSpPr>
-          <p:cNvPr id="6" name="Oval 5">
+            <a:pPr marL="0" indent="0">
+              <a:buNone/>
+            </a:pPr>
+            <a:r>
+              <a:rPr lang="en-GB" b="1" dirty="0"/>
+              <a:t>VR220</a:t>
+            </a:r>
+          </a:p>
+          <a:p>
+            <a:r>
+              <a:rPr lang="en-GB" dirty="0"/>
+              <a:t>Threshold: 15%</a:t>
+            </a:r>
+          </a:p>
+          <a:p>
+            <a:r>
+              <a:rPr lang="en-GB" dirty="0"/>
+              <a:t>Explanations and discussions of technical elements of the project: 10%</a:t>
+            </a:r>
+            <a:br>
+              <a:rPr lang="en-GB" dirty="0"/>
+            </a:br>
+            <a:br>
+              <a:rPr lang="en-GB" dirty="0"/>
+            </a:br>
+            <a:endParaRPr lang="en-GB" dirty="0"/>
+          </a:p>
+          <a:p>
+            <a:r>
+              <a:rPr lang="en-GB" dirty="0"/>
+              <a:t>Description of project objectives and their justification: 10%</a:t>
+            </a:r>
+          </a:p>
+          <a:p>
+            <a:r>
+              <a:rPr lang="en-GB" dirty="0"/>
+              <a:t>Reflection on the artefact: 15%</a:t>
+            </a:r>
+          </a:p>
+        </p:txBody>
+      </p:sp>
+      <p:grpSp>
+        <p:nvGrpSpPr>
+          <p:cNvPr id="10" name="Group 9">
             <a:extLst>
               <a:ext uri="{FF2B5EF4-FFF2-40B4-BE49-F238E27FC236}">
-                <a16:creationId xmlns:a16="http://schemas.microsoft.com/office/drawing/2014/main" id="{BBE7C62B-E315-402D-9F57-7724322A23DE}"/>
+                <a16:creationId xmlns:a16="http://schemas.microsoft.com/office/drawing/2014/main" id="{B353400C-5B55-4EDA-8F6C-0B384ED1B184}"/>
               </a:ext>
             </a:extLst>
           </p:cNvPr>
-          <p:cNvSpPr/>
+          <p:cNvGrpSpPr/>
           <p:nvPr/>
-        </p:nvSpPr>
-        <p:spPr>
+        </p:nvGrpSpPr>
+        <p:grpSpPr>
           <a:xfrm>
-            <a:off x="4042065" y="1405236"/>
-            <a:ext cx="3948544" cy="834004"/>
+            <a:off x="1066800" y="2842592"/>
+            <a:ext cx="8931965" cy="2628898"/>
+            <a:chOff x="834887" y="3637723"/>
+            <a:chExt cx="8931965" cy="2628898"/>
           </a:xfrm>
-          <a:prstGeom prst="ellipse">
-            <a:avLst/>
-          </a:prstGeom>
-          <a:noFill/>
-          <a:ln w="76200">
-            <a:solidFill>
-              <a:schemeClr val="accent4"/>
-            </a:solidFill>
-          </a:ln>
-        </p:spPr>
-        <p:style>
-          <a:lnRef idx="2">
-            <a:schemeClr val="accent1">
-              <a:shade val="50000"/>
-            </a:schemeClr>
-          </a:lnRef>
-          <a:fillRef idx="1">
-            <a:schemeClr val="accent1"/>
-          </a:fillRef>
-          <a:effectRef idx="0">
-            <a:schemeClr val="accent1"/>
-          </a:effectRef>
-          <a:fontRef idx="minor">
-            <a:schemeClr val="lt1"/>
-          </a:fontRef>
-        </p:style>
-        <p:txBody>
-          <a:bodyPr rtlCol="0" anchor="ctr"/>
-          <a:lstStyle/>
-          <a:p>
-            <a:pPr algn="ctr"/>
-            <a:endParaRPr lang="en-GB"/>
-          </a:p>
-        </p:txBody>
-      </p:sp>
-      <p:sp>
-        <p:nvSpPr>
-          <p:cNvPr id="7" name="Oval 6">
+        </p:grpSpPr>
+        <p:sp>
+          <p:nvSpPr>
+            <p:cNvPr id="11" name="Oval 10">
+              <a:extLst>
+                <a:ext uri="{FF2B5EF4-FFF2-40B4-BE49-F238E27FC236}">
+                  <a16:creationId xmlns:a16="http://schemas.microsoft.com/office/drawing/2014/main" id="{0BFE843A-5A95-49BC-AB8B-845D713EF918}"/>
+                </a:ext>
+              </a:extLst>
+            </p:cNvPr>
+            <p:cNvSpPr/>
+            <p:nvPr/>
+          </p:nvSpPr>
+          <p:spPr>
+            <a:xfrm>
+              <a:off x="834887" y="4512365"/>
+              <a:ext cx="2232991" cy="506896"/>
+            </a:xfrm>
+            <a:prstGeom prst="ellipse">
+              <a:avLst/>
+            </a:prstGeom>
+            <a:noFill/>
+            <a:ln w="57150">
+              <a:solidFill>
+                <a:srgbClr val="FFC000"/>
+              </a:solidFill>
+            </a:ln>
+          </p:spPr>
+          <p:style>
+            <a:lnRef idx="2">
+              <a:schemeClr val="accent1">
+                <a:shade val="50000"/>
+              </a:schemeClr>
+            </a:lnRef>
+            <a:fillRef idx="1">
+              <a:schemeClr val="accent1"/>
+            </a:fillRef>
+            <a:effectRef idx="0">
+              <a:schemeClr val="accent1"/>
+            </a:effectRef>
+            <a:fontRef idx="minor">
+              <a:schemeClr val="lt1"/>
+            </a:fontRef>
+          </p:style>
+          <p:txBody>
+            <a:bodyPr rtlCol="0" anchor="ctr"/>
+            <a:lstStyle/>
+            <a:p>
+              <a:pPr algn="ctr"/>
+              <a:endParaRPr lang="en-GB"/>
+            </a:p>
+          </p:txBody>
+        </p:sp>
+        <p:sp>
+          <p:nvSpPr>
+            <p:cNvPr id="12" name="Oval 11">
+              <a:extLst>
+                <a:ext uri="{FF2B5EF4-FFF2-40B4-BE49-F238E27FC236}">
+                  <a16:creationId xmlns:a16="http://schemas.microsoft.com/office/drawing/2014/main" id="{62D5F6BC-9271-4E42-8647-4AF99A86D60D}"/>
+                </a:ext>
+              </a:extLst>
+            </p:cNvPr>
+            <p:cNvSpPr/>
+            <p:nvPr/>
+          </p:nvSpPr>
+          <p:spPr>
+            <a:xfrm>
+              <a:off x="6096000" y="3637723"/>
+              <a:ext cx="3670852" cy="566530"/>
+            </a:xfrm>
+            <a:prstGeom prst="ellipse">
+              <a:avLst/>
+            </a:prstGeom>
+            <a:noFill/>
+            <a:ln w="57150">
+              <a:solidFill>
+                <a:srgbClr val="FFC000"/>
+              </a:solidFill>
+            </a:ln>
+          </p:spPr>
+          <p:style>
+            <a:lnRef idx="2">
+              <a:schemeClr val="accent1">
+                <a:shade val="50000"/>
+              </a:schemeClr>
+            </a:lnRef>
+            <a:fillRef idx="1">
+              <a:schemeClr val="accent1"/>
+            </a:fillRef>
+            <a:effectRef idx="0">
+              <a:schemeClr val="accent1"/>
+            </a:effectRef>
+            <a:fontRef idx="minor">
+              <a:schemeClr val="lt1"/>
+            </a:fontRef>
+          </p:style>
+          <p:txBody>
+            <a:bodyPr rtlCol="0" anchor="ctr"/>
+            <a:lstStyle/>
+            <a:p>
+              <a:pPr algn="ctr"/>
+              <a:endParaRPr lang="en-GB"/>
+            </a:p>
+          </p:txBody>
+        </p:sp>
+        <p:sp>
+          <p:nvSpPr>
+            <p:cNvPr id="13" name="Oval 12">
+              <a:extLst>
+                <a:ext uri="{FF2B5EF4-FFF2-40B4-BE49-F238E27FC236}">
+                  <a16:creationId xmlns:a16="http://schemas.microsoft.com/office/drawing/2014/main" id="{5863BE23-493F-49EA-9AE7-9E79558F5A0E}"/>
+                </a:ext>
+              </a:extLst>
+            </p:cNvPr>
+            <p:cNvSpPr/>
+            <p:nvPr/>
+          </p:nvSpPr>
+          <p:spPr>
+            <a:xfrm>
+              <a:off x="834887" y="5759725"/>
+              <a:ext cx="2232991" cy="506896"/>
+            </a:xfrm>
+            <a:prstGeom prst="ellipse">
+              <a:avLst/>
+            </a:prstGeom>
+            <a:noFill/>
+            <a:ln w="57150">
+              <a:solidFill>
+                <a:srgbClr val="FFC000"/>
+              </a:solidFill>
+            </a:ln>
+          </p:spPr>
+          <p:style>
+            <a:lnRef idx="2">
+              <a:schemeClr val="accent1">
+                <a:shade val="50000"/>
+              </a:schemeClr>
+            </a:lnRef>
+            <a:fillRef idx="1">
+              <a:schemeClr val="accent1"/>
+            </a:fillRef>
+            <a:effectRef idx="0">
+              <a:schemeClr val="accent1"/>
+            </a:effectRef>
+            <a:fontRef idx="minor">
+              <a:schemeClr val="lt1"/>
+            </a:fontRef>
+          </p:style>
+          <p:txBody>
+            <a:bodyPr rtlCol="0" anchor="ctr"/>
+            <a:lstStyle/>
+            <a:p>
+              <a:pPr algn="ctr"/>
+              <a:endParaRPr lang="en-GB"/>
+            </a:p>
+          </p:txBody>
+        </p:sp>
+      </p:grpSp>
+      <p:grpSp>
+        <p:nvGrpSpPr>
+          <p:cNvPr id="9" name="Group 8">
             <a:extLst>
               <a:ext uri="{FF2B5EF4-FFF2-40B4-BE49-F238E27FC236}">
-                <a16:creationId xmlns:a16="http://schemas.microsoft.com/office/drawing/2014/main" id="{AC53622E-8DB9-4035-83D9-2544AD885C33}"/>
+                <a16:creationId xmlns:a16="http://schemas.microsoft.com/office/drawing/2014/main" id="{643B6038-028F-4DF8-ABCF-ED629D83F917}"/>
               </a:ext>
             </a:extLst>
           </p:cNvPr>
-          <p:cNvSpPr/>
+          <p:cNvGrpSpPr/>
           <p:nvPr/>
-        </p:nvSpPr>
-        <p:spPr>
+        </p:nvGrpSpPr>
+        <p:grpSpPr>
           <a:xfrm>
-            <a:off x="4042065" y="2951018"/>
-            <a:ext cx="3948544" cy="550718"/>
+            <a:off x="834887" y="4084983"/>
+            <a:ext cx="10522226" cy="1003852"/>
+            <a:chOff x="834887" y="4084983"/>
+            <a:chExt cx="10522226" cy="1003852"/>
           </a:xfrm>
-          <a:prstGeom prst="ellipse">
-            <a:avLst/>
-          </a:prstGeom>
-          <a:noFill/>
-          <a:ln w="76200">
-            <a:solidFill>
-              <a:srgbClr val="FFC000"/>
-            </a:solidFill>
-          </a:ln>
-        </p:spPr>
-        <p:style>
-          <a:lnRef idx="2">
-            <a:schemeClr val="accent1">
-              <a:shade val="50000"/>
-            </a:schemeClr>
-          </a:lnRef>
-          <a:fillRef idx="1">
-            <a:schemeClr val="accent1"/>
-          </a:fillRef>
-          <a:effectRef idx="0">
-            <a:schemeClr val="accent1"/>
-          </a:effectRef>
-          <a:fontRef idx="minor">
-            <a:schemeClr val="lt1"/>
-          </a:fontRef>
-        </p:style>
-        <p:txBody>
-          <a:bodyPr rtlCol="0" anchor="ctr"/>
-          <a:lstStyle/>
-          <a:p>
-            <a:pPr algn="ctr"/>
-            <a:endParaRPr lang="en-GB"/>
-          </a:p>
-        </p:txBody>
-      </p:sp>
-      <p:pic>
-        <p:nvPicPr>
-          <p:cNvPr id="8" name="Picture 7">
-            <a:extLst>
-              <a:ext uri="{FF2B5EF4-FFF2-40B4-BE49-F238E27FC236}">
-                <a16:creationId xmlns:a16="http://schemas.microsoft.com/office/drawing/2014/main" id="{DA22C5E0-C2F8-4844-9B50-30D2B12E20A0}"/>
-              </a:ext>
-            </a:extLst>
-          </p:cNvPr>
-          <p:cNvPicPr>
-            <a:picLocks noChangeAspect="1"/>
-          </p:cNvPicPr>
-          <p:nvPr/>
-        </p:nvPicPr>
-        <p:blipFill>
-          <a:blip r:embed="rId3"/>
-          <a:stretch>
-            <a:fillRect/>
-          </a:stretch>
-        </p:blipFill>
-        <p:spPr>
-          <a:xfrm>
-            <a:off x="8246481" y="642594"/>
-            <a:ext cx="3288372" cy="2766408"/>
-          </a:xfrm>
-          <a:prstGeom prst="rect">
-            <a:avLst/>
-          </a:prstGeom>
-          <a:ln w="76200">
-            <a:solidFill>
-              <a:schemeClr val="accent4"/>
-            </a:solidFill>
-          </a:ln>
-        </p:spPr>
-      </p:pic>
-      <p:pic>
-        <p:nvPicPr>
-          <p:cNvPr id="10" name="Picture 9">
-            <a:extLst>
-              <a:ext uri="{FF2B5EF4-FFF2-40B4-BE49-F238E27FC236}">
-                <a16:creationId xmlns:a16="http://schemas.microsoft.com/office/drawing/2014/main" id="{C33C8254-6171-4221-AD8A-7610647A640B}"/>
-              </a:ext>
-            </a:extLst>
-          </p:cNvPr>
-          <p:cNvPicPr>
-            <a:picLocks noChangeAspect="1"/>
-          </p:cNvPicPr>
-          <p:nvPr/>
-        </p:nvPicPr>
-        <p:blipFill>
-          <a:blip r:embed="rId4"/>
-          <a:stretch>
-            <a:fillRect/>
-          </a:stretch>
-        </p:blipFill>
-        <p:spPr>
-          <a:xfrm>
-            <a:off x="7812076" y="3641157"/>
-            <a:ext cx="3810092" cy="2663466"/>
-          </a:xfrm>
-          <a:prstGeom prst="rect">
-            <a:avLst/>
-          </a:prstGeom>
-          <a:ln w="76200">
-            <a:solidFill>
-              <a:srgbClr val="FFC000"/>
-            </a:solidFill>
-          </a:ln>
-        </p:spPr>
-      </p:pic>
-      <p:sp>
-        <p:nvSpPr>
-          <p:cNvPr id="12" name="Oval 11">
-            <a:extLst>
-              <a:ext uri="{FF2B5EF4-FFF2-40B4-BE49-F238E27FC236}">
-                <a16:creationId xmlns:a16="http://schemas.microsoft.com/office/drawing/2014/main" id="{BBE8D471-5588-4D98-B8CF-30BA52A066CE}"/>
-              </a:ext>
-            </a:extLst>
-          </p:cNvPr>
-          <p:cNvSpPr/>
-          <p:nvPr/>
-        </p:nvSpPr>
-        <p:spPr>
-          <a:xfrm>
-            <a:off x="4016612" y="4015660"/>
-            <a:ext cx="3948544" cy="550718"/>
-          </a:xfrm>
-          <a:prstGeom prst="ellipse">
-            <a:avLst/>
-          </a:prstGeom>
-          <a:noFill/>
-          <a:ln w="76200">
-            <a:solidFill>
-              <a:schemeClr val="accent2">
-                <a:lumMod val="50000"/>
+        </p:grpSpPr>
+        <p:sp>
+          <p:nvSpPr>
+            <p:cNvPr id="5" name="Oval 4">
+              <a:extLst>
+                <a:ext uri="{FF2B5EF4-FFF2-40B4-BE49-F238E27FC236}">
+                  <a16:creationId xmlns:a16="http://schemas.microsoft.com/office/drawing/2014/main" id="{BB79B96A-B7F3-443F-BB1F-6FD1A680EE58}"/>
+                </a:ext>
+              </a:extLst>
+            </p:cNvPr>
+            <p:cNvSpPr/>
+            <p:nvPr/>
+          </p:nvSpPr>
+          <p:spPr>
+            <a:xfrm>
+              <a:off x="834887" y="4512365"/>
+              <a:ext cx="3766930" cy="506896"/>
+            </a:xfrm>
+            <a:prstGeom prst="ellipse">
+              <a:avLst/>
+            </a:prstGeom>
+            <a:noFill/>
+            <a:ln w="57150">
+              <a:solidFill>
+                <a:schemeClr val="accent2">
+                  <a:lumMod val="75000"/>
+                </a:schemeClr>
+              </a:solidFill>
+            </a:ln>
+          </p:spPr>
+          <p:style>
+            <a:lnRef idx="2">
+              <a:schemeClr val="accent1">
+                <a:shade val="50000"/>
               </a:schemeClr>
-            </a:solidFill>
-          </a:ln>
-        </p:spPr>
-        <p:style>
-          <a:lnRef idx="2">
-            <a:schemeClr val="accent1">
-              <a:shade val="50000"/>
-            </a:schemeClr>
-          </a:lnRef>
-          <a:fillRef idx="1">
-            <a:schemeClr val="accent1"/>
-          </a:fillRef>
-          <a:effectRef idx="0">
-            <a:schemeClr val="accent1"/>
-          </a:effectRef>
-          <a:fontRef idx="minor">
-            <a:schemeClr val="lt1"/>
-          </a:fontRef>
-        </p:style>
-        <p:txBody>
-          <a:bodyPr rtlCol="0" anchor="ctr"/>
-          <a:lstStyle/>
-          <a:p>
-            <a:pPr algn="ctr"/>
-            <a:endParaRPr lang="en-GB"/>
-          </a:p>
-        </p:txBody>
-      </p:sp>
-      <p:pic>
-        <p:nvPicPr>
-          <p:cNvPr id="13" name="Picture 12">
-            <a:extLst>
-              <a:ext uri="{FF2B5EF4-FFF2-40B4-BE49-F238E27FC236}">
-                <a16:creationId xmlns:a16="http://schemas.microsoft.com/office/drawing/2014/main" id="{C6F9FA8D-EC56-48C7-A4DB-04863CF19B92}"/>
-              </a:ext>
-            </a:extLst>
-          </p:cNvPr>
-          <p:cNvPicPr>
-            <a:picLocks noChangeAspect="1"/>
-          </p:cNvPicPr>
-          <p:nvPr/>
-        </p:nvPicPr>
-        <p:blipFill>
-          <a:blip r:embed="rId5"/>
-          <a:stretch>
-            <a:fillRect/>
-          </a:stretch>
-        </p:blipFill>
-        <p:spPr>
-          <a:xfrm>
-            <a:off x="6921486" y="1188477"/>
-            <a:ext cx="4459586" cy="2666123"/>
-          </a:xfrm>
-          <a:prstGeom prst="rect">
-            <a:avLst/>
-          </a:prstGeom>
-          <a:ln w="76200">
-            <a:solidFill>
-              <a:schemeClr val="accent2">
-                <a:lumMod val="50000"/>
+            </a:lnRef>
+            <a:fillRef idx="1">
+              <a:schemeClr val="accent1"/>
+            </a:fillRef>
+            <a:effectRef idx="0">
+              <a:schemeClr val="accent1"/>
+            </a:effectRef>
+            <a:fontRef idx="minor">
+              <a:schemeClr val="lt1"/>
+            </a:fontRef>
+          </p:style>
+          <p:txBody>
+            <a:bodyPr rtlCol="0" anchor="ctr"/>
+            <a:lstStyle/>
+            <a:p>
+              <a:pPr algn="ctr"/>
+              <a:endParaRPr lang="en-GB"/>
+            </a:p>
+          </p:txBody>
+        </p:sp>
+        <p:sp>
+          <p:nvSpPr>
+            <p:cNvPr id="6" name="Oval 5">
+              <a:extLst>
+                <a:ext uri="{FF2B5EF4-FFF2-40B4-BE49-F238E27FC236}">
+                  <a16:creationId xmlns:a16="http://schemas.microsoft.com/office/drawing/2014/main" id="{F7153D23-AFDC-4380-9DF4-31BA582059A6}"/>
+                </a:ext>
+              </a:extLst>
+            </p:cNvPr>
+            <p:cNvSpPr/>
+            <p:nvPr/>
+          </p:nvSpPr>
+          <p:spPr>
+            <a:xfrm>
+              <a:off x="6095999" y="4084983"/>
+              <a:ext cx="5261114" cy="1003852"/>
+            </a:xfrm>
+            <a:prstGeom prst="ellipse">
+              <a:avLst/>
+            </a:prstGeom>
+            <a:noFill/>
+            <a:ln w="57150">
+              <a:solidFill>
+                <a:schemeClr val="accent2">
+                  <a:lumMod val="75000"/>
+                </a:schemeClr>
+              </a:solidFill>
+            </a:ln>
+          </p:spPr>
+          <p:style>
+            <a:lnRef idx="2">
+              <a:schemeClr val="accent1">
+                <a:shade val="50000"/>
               </a:schemeClr>
-            </a:solidFill>
-          </a:ln>
-        </p:spPr>
-      </p:pic>
+            </a:lnRef>
+            <a:fillRef idx="1">
+              <a:schemeClr val="accent1"/>
+            </a:fillRef>
+            <a:effectRef idx="0">
+              <a:schemeClr val="accent1"/>
+            </a:effectRef>
+            <a:fontRef idx="minor">
+              <a:schemeClr val="lt1"/>
+            </a:fontRef>
+          </p:style>
+          <p:txBody>
+            <a:bodyPr rtlCol="0" anchor="ctr"/>
+            <a:lstStyle/>
+            <a:p>
+              <a:pPr algn="ctr"/>
+              <a:endParaRPr lang="en-GB"/>
+            </a:p>
+          </p:txBody>
+        </p:sp>
+      </p:grpSp>
     </p:spTree>
     <p:extLst>
       <p:ext uri="{BB962C8B-B14F-4D97-AF65-F5344CB8AC3E}">
-        <p14:creationId xmlns:p14="http://schemas.microsoft.com/office/powerpoint/2010/main" val="1039632363"/>
+        <p14:creationId xmlns:p14="http://schemas.microsoft.com/office/powerpoint/2010/main" val="555098873"/>
       </p:ext>
     </p:extLst>
   </p:cSld>
@@ -5102,7 +5940,7 @@
                             </p:stCondLst>
                             <p:childTnLst>
                               <p:par>
-                                <p:cTn id="5" presetID="1" presetClass="entr" presetSubtype="0" fill="hold" grpId="0" nodeType="clickEffect">
+                                <p:cTn id="5" presetID="10" presetClass="entr" presetSubtype="0" fill="hold" nodeType="clickEffect">
                                   <p:stCondLst>
                                     <p:cond delay="0"/>
                                   </p:stCondLst>
@@ -5115,7 +5953,7 @@
                                           </p:stCondLst>
                                         </p:cTn>
                                         <p:tgtEl>
-                                          <p:spTgt spid="5"/>
+                                          <p:spTgt spid="9"/>
                                         </p:tgtEl>
                                         <p:attrNameLst>
                                           <p:attrName>style.visibility</p:attrName>
@@ -5125,6 +5963,14 @@
                                         <p:strVal val="visible"/>
                                       </p:to>
                                     </p:set>
+                                    <p:animEffect transition="in" filter="fade">
+                                      <p:cBhvr>
+                                        <p:cTn id="7" dur="500"/>
+                                        <p:tgtEl>
+                                          <p:spTgt spid="9"/>
+                                        </p:tgtEl>
+                                      </p:cBhvr>
+                                    </p:animEffect>
                                   </p:childTnLst>
                                 </p:cTn>
                               </p:par>
@@ -5135,32 +5981,32 @@
                     </p:cTn>
                   </p:par>
                   <p:par>
-                    <p:cTn id="7" fill="hold">
+                    <p:cTn id="8" fill="hold">
                       <p:stCondLst>
                         <p:cond delay="indefinite"/>
                       </p:stCondLst>
                       <p:childTnLst>
                         <p:par>
-                          <p:cTn id="8" fill="hold">
+                          <p:cTn id="9" fill="hold">
                             <p:stCondLst>
                               <p:cond delay="0"/>
                             </p:stCondLst>
                             <p:childTnLst>
                               <p:par>
-                                <p:cTn id="9" presetID="1" presetClass="entr" presetSubtype="0" fill="hold" grpId="0" nodeType="clickEffect">
+                                <p:cTn id="10" presetID="10" presetClass="entr" presetSubtype="0" fill="hold" nodeType="clickEffect">
                                   <p:stCondLst>
                                     <p:cond delay="0"/>
                                   </p:stCondLst>
                                   <p:childTnLst>
                                     <p:set>
                                       <p:cBhvr>
-                                        <p:cTn id="10" dur="1" fill="hold">
+                                        <p:cTn id="11" dur="1" fill="hold">
                                           <p:stCondLst>
                                             <p:cond delay="0"/>
                                           </p:stCondLst>
                                         </p:cTn>
                                         <p:tgtEl>
-                                          <p:spTgt spid="6"/>
+                                          <p:spTgt spid="10"/>
                                         </p:tgtEl>
                                         <p:attrNameLst>
                                           <p:attrName>style.visibility</p:attrName>
@@ -5170,6 +6016,370 @@
                                         <p:strVal val="visible"/>
                                       </p:to>
                                     </p:set>
+                                    <p:animEffect transition="in" filter="fade">
+                                      <p:cBhvr>
+                                        <p:cTn id="12" dur="500"/>
+                                        <p:tgtEl>
+                                          <p:spTgt spid="10"/>
+                                        </p:tgtEl>
+                                      </p:cBhvr>
+                                    </p:animEffect>
+                                  </p:childTnLst>
+                                </p:cTn>
+                              </p:par>
+                            </p:childTnLst>
+                          </p:cTn>
+                        </p:par>
+                      </p:childTnLst>
+                    </p:cTn>
+                  </p:par>
+                </p:childTnLst>
+              </p:cTn>
+              <p:prevCondLst>
+                <p:cond evt="onPrev" delay="0">
+                  <p:tgtEl>
+                    <p:sldTgt/>
+                  </p:tgtEl>
+                </p:cond>
+              </p:prevCondLst>
+              <p:nextCondLst>
+                <p:cond evt="onNext" delay="0">
+                  <p:tgtEl>
+                    <p:sldTgt/>
+                  </p:tgtEl>
+                </p:cond>
+              </p:nextCondLst>
+            </p:seq>
+          </p:childTnLst>
+        </p:cTn>
+      </p:par>
+    </p:tnLst>
+  </p:timing>
+</p:sld>
+</file>
+
+<file path=ppt/slides/slide3.xml><?xml version="1.0" encoding="utf-8"?>
+<p:sld xmlns:a="http://schemas.openxmlformats.org/drawingml/2006/main" xmlns:r="http://schemas.openxmlformats.org/officeDocument/2006/relationships" xmlns:p="http://schemas.openxmlformats.org/presentationml/2006/main">
+  <p:cSld>
+    <p:spTree>
+      <p:nvGrpSpPr>
+        <p:cNvPr id="1" name=""/>
+        <p:cNvGrpSpPr/>
+        <p:nvPr/>
+      </p:nvGrpSpPr>
+      <p:grpSpPr>
+        <a:xfrm>
+          <a:off x="0" y="0"/>
+          <a:ext cx="0" cy="0"/>
+          <a:chOff x="0" y="0"/>
+          <a:chExt cx="0" cy="0"/>
+        </a:xfrm>
+      </p:grpSpPr>
+      <p:sp>
+        <p:nvSpPr>
+          <p:cNvPr id="2" name="Title 1">
+            <a:extLst>
+              <a:ext uri="{FF2B5EF4-FFF2-40B4-BE49-F238E27FC236}">
+                <a16:creationId xmlns:a16="http://schemas.microsoft.com/office/drawing/2014/main" id="{EDABBA31-1ADF-48CB-98DB-8160D3E40DC5}"/>
+              </a:ext>
+            </a:extLst>
+          </p:cNvPr>
+          <p:cNvSpPr>
+            <a:spLocks noGrp="1"/>
+          </p:cNvSpPr>
+          <p:nvPr>
+            <p:ph type="title"/>
+          </p:nvPr>
+        </p:nvSpPr>
+        <p:spPr/>
+        <p:txBody>
+          <a:bodyPr/>
+          <a:lstStyle/>
+          <a:p>
+            <a:r>
+              <a:rPr lang="en-GB" dirty="0"/>
+              <a:t>What is an Argument?</a:t>
+            </a:r>
+          </a:p>
+        </p:txBody>
+      </p:sp>
+      <p:sp>
+        <p:nvSpPr>
+          <p:cNvPr id="3" name="Content Placeholder 2">
+            <a:extLst>
+              <a:ext uri="{FF2B5EF4-FFF2-40B4-BE49-F238E27FC236}">
+                <a16:creationId xmlns:a16="http://schemas.microsoft.com/office/drawing/2014/main" id="{56B20C52-0291-4955-95CA-5D9DA455BD1B}"/>
+              </a:ext>
+            </a:extLst>
+          </p:cNvPr>
+          <p:cNvSpPr>
+            <a:spLocks noGrp="1"/>
+          </p:cNvSpPr>
+          <p:nvPr>
+            <p:ph idx="1"/>
+          </p:nvPr>
+        </p:nvSpPr>
+        <p:spPr/>
+        <p:txBody>
+          <a:bodyPr/>
+          <a:lstStyle/>
+          <a:p>
+            <a:endParaRPr lang="en-GB" sz="1600" b="1" dirty="0">
+              <a:solidFill>
+                <a:schemeClr val="accent3">
+                  <a:lumMod val="75000"/>
+                </a:schemeClr>
+              </a:solidFill>
+            </a:endParaRPr>
+          </a:p>
+          <a:p>
+            <a:pPr marL="0" indent="0" algn="ctr">
+              <a:buNone/>
+            </a:pPr>
+            <a:r>
+              <a:rPr lang="en-GB" sz="2400" b="1" dirty="0"/>
+              <a:t>“</a:t>
+            </a:r>
+            <a:r>
+              <a:rPr lang="en-GB" sz="2400" dirty="0"/>
+              <a:t>An </a:t>
+            </a:r>
+            <a:r>
+              <a:rPr lang="en-GB" sz="2400" b="1" dirty="0"/>
+              <a:t>argument</a:t>
+            </a:r>
+            <a:r>
+              <a:rPr lang="en-GB" sz="2400" dirty="0"/>
+              <a:t> is a </a:t>
+            </a:r>
+            <a:r>
+              <a:rPr lang="en-GB" sz="2400" dirty="0">
+                <a:solidFill>
+                  <a:schemeClr val="accent3">
+                    <a:lumMod val="75000"/>
+                  </a:schemeClr>
+                </a:solidFill>
+              </a:rPr>
+              <a:t>statement or set of statements </a:t>
+            </a:r>
+            <a:r>
+              <a:rPr lang="en-GB" sz="2400" dirty="0"/>
+              <a:t>that you use in order to try to </a:t>
+            </a:r>
+            <a:r>
+              <a:rPr lang="en-GB" sz="2400" dirty="0">
+                <a:solidFill>
+                  <a:schemeClr val="accent2">
+                    <a:lumMod val="75000"/>
+                  </a:schemeClr>
+                </a:solidFill>
+              </a:rPr>
+              <a:t>convince</a:t>
+            </a:r>
+            <a:r>
+              <a:rPr lang="en-GB" sz="2400" dirty="0"/>
+              <a:t> people that your opinion about something is correct.</a:t>
+            </a:r>
+            <a:r>
+              <a:rPr lang="en-GB" sz="2400" b="1" dirty="0"/>
+              <a:t>”</a:t>
+            </a:r>
+          </a:p>
+          <a:p>
+            <a:pPr marL="0" indent="0" algn="r">
+              <a:buNone/>
+            </a:pPr>
+            <a:r>
+              <a:rPr lang="en-GB" sz="2400" i="1" dirty="0"/>
+              <a:t>Collins English Dictionary</a:t>
+            </a:r>
+          </a:p>
+          <a:p>
+            <a:endParaRPr lang="en-GB" sz="1600" b="1" dirty="0">
+              <a:solidFill>
+                <a:schemeClr val="accent3">
+                  <a:lumMod val="75000"/>
+                </a:schemeClr>
+              </a:solidFill>
+            </a:endParaRPr>
+          </a:p>
+          <a:p>
+            <a:pPr marL="0" indent="0">
+              <a:buNone/>
+            </a:pPr>
+            <a:r>
+              <a:rPr lang="en-GB" sz="2400" b="1" dirty="0"/>
+              <a:t>Poster requirements:</a:t>
+            </a:r>
+            <a:endParaRPr lang="en-GB" sz="2400" b="1" dirty="0">
+              <a:solidFill>
+                <a:schemeClr val="accent3">
+                  <a:lumMod val="75000"/>
+                </a:schemeClr>
+              </a:solidFill>
+            </a:endParaRPr>
+          </a:p>
+          <a:p>
+            <a:pPr marL="0" indent="0" algn="ctr">
+              <a:buNone/>
+            </a:pPr>
+            <a:r>
+              <a:rPr lang="en-GB" sz="2400" b="1" dirty="0">
+                <a:solidFill>
+                  <a:schemeClr val="accent3">
+                    <a:lumMod val="75000"/>
+                  </a:schemeClr>
+                </a:solidFill>
+              </a:rPr>
+              <a:t>Justify</a:t>
+            </a:r>
+            <a:r>
+              <a:rPr lang="en-GB" sz="2400" dirty="0"/>
+              <a:t> key </a:t>
+            </a:r>
+            <a:r>
+              <a:rPr lang="en-GB" sz="2400" dirty="0">
+                <a:solidFill>
+                  <a:schemeClr val="accent2">
+                    <a:lumMod val="75000"/>
+                  </a:schemeClr>
+                </a:solidFill>
+              </a:rPr>
+              <a:t>development choices </a:t>
+            </a:r>
+            <a:r>
+              <a:rPr lang="en-GB" sz="2400" dirty="0"/>
+              <a:t>and </a:t>
+            </a:r>
+            <a:r>
+              <a:rPr lang="en-GB" sz="2400" dirty="0">
+                <a:solidFill>
+                  <a:schemeClr val="accent2">
+                    <a:lumMod val="75000"/>
+                  </a:schemeClr>
+                </a:solidFill>
+              </a:rPr>
+              <a:t>design decisions</a:t>
+            </a:r>
+          </a:p>
+          <a:p>
+            <a:endParaRPr lang="en-GB" dirty="0"/>
+          </a:p>
+        </p:txBody>
+      </p:sp>
+    </p:spTree>
+    <p:extLst>
+      <p:ext uri="{BB962C8B-B14F-4D97-AF65-F5344CB8AC3E}">
+        <p14:creationId xmlns:p14="http://schemas.microsoft.com/office/powerpoint/2010/main" val="2126168101"/>
+      </p:ext>
+    </p:extLst>
+  </p:cSld>
+  <p:clrMapOvr>
+    <a:masterClrMapping/>
+  </p:clrMapOvr>
+  <p:timing>
+    <p:tnLst>
+      <p:par>
+        <p:cTn id="1" dur="indefinite" restart="never" nodeType="tmRoot">
+          <p:childTnLst>
+            <p:seq concurrent="1" nextAc="seek">
+              <p:cTn id="2" dur="indefinite" nodeType="mainSeq">
+                <p:childTnLst>
+                  <p:par>
+                    <p:cTn id="3" fill="hold">
+                      <p:stCondLst>
+                        <p:cond delay="indefinite"/>
+                      </p:stCondLst>
+                      <p:childTnLst>
+                        <p:par>
+                          <p:cTn id="4" fill="hold">
+                            <p:stCondLst>
+                              <p:cond delay="0"/>
+                            </p:stCondLst>
+                            <p:childTnLst>
+                              <p:par>
+                                <p:cTn id="5" presetID="10" presetClass="entr" presetSubtype="0" fill="hold" grpId="0" nodeType="clickEffect">
+                                  <p:stCondLst>
+                                    <p:cond delay="0"/>
+                                  </p:stCondLst>
+                                  <p:childTnLst>
+                                    <p:set>
+                                      <p:cBhvr>
+                                        <p:cTn id="6" dur="1" fill="hold">
+                                          <p:stCondLst>
+                                            <p:cond delay="0"/>
+                                          </p:stCondLst>
+                                        </p:cTn>
+                                        <p:tgtEl>
+                                          <p:spTgt spid="3">
+                                            <p:txEl>
+                                              <p:pRg st="1" end="1"/>
+                                            </p:txEl>
+                                          </p:spTgt>
+                                        </p:tgtEl>
+                                        <p:attrNameLst>
+                                          <p:attrName>style.visibility</p:attrName>
+                                        </p:attrNameLst>
+                                      </p:cBhvr>
+                                      <p:to>
+                                        <p:strVal val="visible"/>
+                                      </p:to>
+                                    </p:set>
+                                    <p:animEffect transition="in" filter="fade">
+                                      <p:cBhvr>
+                                        <p:cTn id="7" dur="500"/>
+                                        <p:tgtEl>
+                                          <p:spTgt spid="3">
+                                            <p:txEl>
+                                              <p:pRg st="1" end="1"/>
+                                            </p:txEl>
+                                          </p:spTgt>
+                                        </p:tgtEl>
+                                      </p:cBhvr>
+                                    </p:animEffect>
+                                  </p:childTnLst>
+                                </p:cTn>
+                              </p:par>
+                              <p:par>
+                                <p:cTn id="8" presetID="10" presetClass="entr" presetSubtype="0" fill="hold" grpId="0" nodeType="withEffect">
+                                  <p:stCondLst>
+                                    <p:cond delay="0"/>
+                                  </p:stCondLst>
+                                  <p:childTnLst>
+                                    <p:set>
+                                      <p:cBhvr>
+                                        <p:cTn id="9" dur="1" fill="hold">
+                                          <p:stCondLst>
+                                            <p:cond delay="0"/>
+                                          </p:stCondLst>
+                                        </p:cTn>
+                                        <p:tgtEl>
+                                          <p:spTgt spid="3">
+                                            <p:txEl>
+                                              <p:pRg st="2" end="2"/>
+                                            </p:txEl>
+                                          </p:spTgt>
+                                        </p:tgtEl>
+                                        <p:attrNameLst>
+                                          <p:attrName>style.visibility</p:attrName>
+                                        </p:attrNameLst>
+                                      </p:cBhvr>
+                                      <p:to>
+                                        <p:strVal val="visible"/>
+                                      </p:to>
+                                    </p:set>
+                                    <p:animEffect transition="in" filter="fade">
+                                      <p:cBhvr>
+                                        <p:cTn id="10" dur="500"/>
+                                        <p:tgtEl>
+                                          <p:spTgt spid="3">
+                                            <p:txEl>
+                                              <p:pRg st="2" end="2"/>
+                                            </p:txEl>
+                                          </p:spTgt>
+                                        </p:tgtEl>
+                                      </p:cBhvr>
+                                    </p:animEffect>
                                   </p:childTnLst>
                                 </p:cTn>
                               </p:par>
@@ -5192,7 +6402,7 @@
                             </p:stCondLst>
                             <p:childTnLst>
                               <p:par>
-                                <p:cTn id="13" presetID="1" presetClass="entr" presetSubtype="0" fill="hold" nodeType="clickEffect">
+                                <p:cTn id="13" presetID="10" presetClass="entr" presetSubtype="0" fill="hold" grpId="0" nodeType="clickEffect">
                                   <p:stCondLst>
                                     <p:cond delay="0"/>
                                   </p:stCondLst>
@@ -5205,7 +6415,11 @@
                                           </p:stCondLst>
                                         </p:cTn>
                                         <p:tgtEl>
-                                          <p:spTgt spid="8"/>
+                                          <p:spTgt spid="3">
+                                            <p:txEl>
+                                              <p:pRg st="4" end="4"/>
+                                            </p:txEl>
+                                          </p:spTgt>
                                         </p:tgtEl>
                                         <p:attrNameLst>
                                           <p:attrName>style.visibility</p:attrName>
@@ -5215,42 +6429,40 @@
                                         <p:strVal val="visible"/>
                                       </p:to>
                                     </p:set>
+                                    <p:animEffect transition="in" filter="fade">
+                                      <p:cBhvr>
+                                        <p:cTn id="15" dur="500"/>
+                                        <p:tgtEl>
+                                          <p:spTgt spid="3">
+                                            <p:txEl>
+                                              <p:pRg st="4" end="4"/>
+                                            </p:txEl>
+                                          </p:spTgt>
+                                        </p:tgtEl>
+                                      </p:cBhvr>
+                                    </p:animEffect>
                                   </p:childTnLst>
                                 </p:cTn>
                               </p:par>
-                            </p:childTnLst>
-                          </p:cTn>
-                        </p:par>
-                      </p:childTnLst>
-                    </p:cTn>
-                  </p:par>
-                  <p:par>
-                    <p:cTn id="15" fill="hold">
-                      <p:stCondLst>
-                        <p:cond delay="indefinite"/>
-                      </p:stCondLst>
-                      <p:childTnLst>
-                        <p:par>
-                          <p:cTn id="16" fill="hold">
-                            <p:stCondLst>
-                              <p:cond delay="0"/>
-                            </p:stCondLst>
-                            <p:childTnLst>
                               <p:par>
-                                <p:cTn id="17" presetID="1" presetClass="entr" presetSubtype="0" fill="hold" grpId="0" nodeType="clickEffect">
+                                <p:cTn id="16" presetID="10" presetClass="entr" presetSubtype="0" fill="hold" grpId="0" nodeType="withEffect">
                                   <p:stCondLst>
                                     <p:cond delay="0"/>
                                   </p:stCondLst>
                                   <p:childTnLst>
                                     <p:set>
                                       <p:cBhvr>
-                                        <p:cTn id="18" dur="1" fill="hold">
+                                        <p:cTn id="17" dur="1" fill="hold">
                                           <p:stCondLst>
                                             <p:cond delay="0"/>
                                           </p:stCondLst>
                                         </p:cTn>
                                         <p:tgtEl>
-                                          <p:spTgt spid="7"/>
+                                          <p:spTgt spid="3">
+                                            <p:txEl>
+                                              <p:pRg st="5" end="5"/>
+                                            </p:txEl>
+                                          </p:spTgt>
                                         </p:tgtEl>
                                         <p:attrNameLst>
                                           <p:attrName>style.visibility</p:attrName>
@@ -5260,141 +6472,18 @@
                                         <p:strVal val="visible"/>
                                       </p:to>
                                     </p:set>
-                                  </p:childTnLst>
-                                </p:cTn>
-                              </p:par>
-                            </p:childTnLst>
-                          </p:cTn>
-                        </p:par>
-                      </p:childTnLst>
-                    </p:cTn>
-                  </p:par>
-                  <p:par>
-                    <p:cTn id="19" fill="hold">
-                      <p:stCondLst>
-                        <p:cond delay="indefinite"/>
-                      </p:stCondLst>
-                      <p:childTnLst>
-                        <p:par>
-                          <p:cTn id="20" fill="hold">
-                            <p:stCondLst>
-                              <p:cond delay="0"/>
-                            </p:stCondLst>
-                            <p:childTnLst>
-                              <p:par>
-                                <p:cTn id="21" presetID="1" presetClass="entr" presetSubtype="0" fill="hold" nodeType="clickEffect">
-                                  <p:stCondLst>
-                                    <p:cond delay="0"/>
-                                  </p:stCondLst>
-                                  <p:childTnLst>
-                                    <p:set>
+                                    <p:animEffect transition="in" filter="fade">
                                       <p:cBhvr>
-                                        <p:cTn id="22" dur="1" fill="hold">
-                                          <p:stCondLst>
-                                            <p:cond delay="0"/>
-                                          </p:stCondLst>
-                                        </p:cTn>
+                                        <p:cTn id="18" dur="500"/>
                                         <p:tgtEl>
-                                          <p:spTgt spid="10"/>
+                                          <p:spTgt spid="3">
+                                            <p:txEl>
+                                              <p:pRg st="5" end="5"/>
+                                            </p:txEl>
+                                          </p:spTgt>
                                         </p:tgtEl>
-                                        <p:attrNameLst>
-                                          <p:attrName>style.visibility</p:attrName>
-                                        </p:attrNameLst>
                                       </p:cBhvr>
-                                      <p:to>
-                                        <p:strVal val="visible"/>
-                                      </p:to>
-                                    </p:set>
-                                  </p:childTnLst>
-                                </p:cTn>
-                              </p:par>
-                            </p:childTnLst>
-                          </p:cTn>
-                        </p:par>
-                      </p:childTnLst>
-                    </p:cTn>
-                  </p:par>
-                  <p:par>
-                    <p:cTn id="23" fill="hold">
-                      <p:stCondLst>
-                        <p:cond delay="indefinite"/>
-                      </p:stCondLst>
-                      <p:childTnLst>
-                        <p:par>
-                          <p:cTn id="24" fill="hold">
-                            <p:stCondLst>
-                              <p:cond delay="0"/>
-                            </p:stCondLst>
-                            <p:childTnLst>
-                              <p:par>
-                                <p:cTn id="25" presetID="1" presetClass="entr" presetSubtype="0" fill="hold" grpId="0" nodeType="clickEffect">
-                                  <p:stCondLst>
-                                    <p:cond delay="0"/>
-                                  </p:stCondLst>
-                                  <p:childTnLst>
-                                    <p:set>
-                                      <p:cBhvr>
-                                        <p:cTn id="26" dur="1" fill="hold">
-                                          <p:stCondLst>
-                                            <p:cond delay="0"/>
-                                          </p:stCondLst>
-                                        </p:cTn>
-                                        <p:tgtEl>
-                                          <p:spTgt spid="12"/>
-                                        </p:tgtEl>
-                                        <p:attrNameLst>
-                                          <p:attrName>style.visibility</p:attrName>
-                                        </p:attrNameLst>
-                                      </p:cBhvr>
-                                      <p:to>
-                                        <p:strVal val="visible"/>
-                                      </p:to>
-                                    </p:set>
-                                  </p:childTnLst>
-                                </p:cTn>
-                              </p:par>
-                            </p:childTnLst>
-                          </p:cTn>
-                        </p:par>
-                      </p:childTnLst>
-                    </p:cTn>
-                  </p:par>
-                  <p:par>
-                    <p:cTn id="27" fill="hold">
-                      <p:stCondLst>
-                        <p:cond delay="indefinite"/>
-                      </p:stCondLst>
-                      <p:childTnLst>
-                        <p:par>
-                          <p:cTn id="28" fill="hold">
-                            <p:stCondLst>
-                              <p:cond delay="0"/>
-                            </p:stCondLst>
-                            <p:childTnLst>
-                              <p:par>
-                                <p:cTn id="29" presetID="1" presetClass="entr" presetSubtype="0" fill="hold" nodeType="clickEffect">
-                                  <p:stCondLst>
-                                    <p:cond delay="0"/>
-                                  </p:stCondLst>
-                                  <p:childTnLst>
-                                    <p:set>
-                                      <p:cBhvr>
-                                        <p:cTn id="30" dur="1" fill="hold">
-                                          <p:stCondLst>
-                                            <p:cond delay="0"/>
-                                          </p:stCondLst>
-                                        </p:cTn>
-                                        <p:tgtEl>
-                                          <p:spTgt spid="13"/>
-                                        </p:tgtEl>
-                                        <p:attrNameLst>
-                                          <p:attrName>style.visibility</p:attrName>
-                                        </p:attrNameLst>
-                                      </p:cBhvr>
-                                      <p:to>
-                                        <p:strVal val="visible"/>
-                                      </p:to>
-                                    </p:set>
+                                    </p:animEffect>
                                   </p:childTnLst>
                                 </p:cTn>
                               </p:par>
@@ -5426,16 +6515,13 @@
       </p:par>
     </p:tnLst>
     <p:bldLst>
-      <p:bldP spid="5" grpId="0" animBg="1"/>
-      <p:bldP spid="6" grpId="0" animBg="1"/>
-      <p:bldP spid="7" grpId="0" animBg="1"/>
-      <p:bldP spid="12" grpId="0" animBg="1"/>
+      <p:bldP spid="3" grpId="0" uiExpand="1" build="p"/>
     </p:bldLst>
   </p:timing>
 </p:sld>
 </file>
 
-<file path=ppt/slides/slide3.xml><?xml version="1.0" encoding="utf-8"?>
+<file path=ppt/slides/slide4.xml><?xml version="1.0" encoding="utf-8"?>
 <p:sld xmlns:a="http://schemas.openxmlformats.org/drawingml/2006/main" xmlns:r="http://schemas.openxmlformats.org/officeDocument/2006/relationships" xmlns:p="http://schemas.openxmlformats.org/presentationml/2006/main">
   <p:cSld>
     <p:spTree>
@@ -5457,7 +6543,7 @@
           <p:cNvPr id="2" name="Title 1">
             <a:extLst>
               <a:ext uri="{FF2B5EF4-FFF2-40B4-BE49-F238E27FC236}">
-                <a16:creationId xmlns:a16="http://schemas.microsoft.com/office/drawing/2014/main" id="{CE93B9A9-5430-43CA-A076-1B33A322CAF1}"/>
+                <a16:creationId xmlns:a16="http://schemas.microsoft.com/office/drawing/2014/main" id="{8B00D910-FC7B-4A8B-B2A6-95833031BDB8}"/>
               </a:ext>
             </a:extLst>
           </p:cNvPr>
@@ -5474,18 +6560,58 @@
           <a:lstStyle/>
           <a:p>
             <a:r>
+              <a:rPr lang="en-GB" dirty="0">
+                <a:solidFill>
+                  <a:schemeClr val="accent3">
+                    <a:lumMod val="75000"/>
+                  </a:schemeClr>
+                </a:solidFill>
+              </a:rPr>
+              <a:t>Discussion: </a:t>
+            </a:r>
+            <a:r>
               <a:rPr lang="en-GB" dirty="0"/>
-              <a:t>Suggested activities</a:t>
-            </a:r>
-          </a:p>
-        </p:txBody>
-      </p:sp>
-      <p:sp>
-        <p:nvSpPr>
-          <p:cNvPr id="3" name="Content Placeholder 2">
+              <a:t>When to get defensive</a:t>
+            </a:r>
+          </a:p>
+        </p:txBody>
+      </p:sp>
+    </p:spTree>
+    <p:extLst>
+      <p:ext uri="{BB962C8B-B14F-4D97-AF65-F5344CB8AC3E}">
+        <p14:creationId xmlns:p14="http://schemas.microsoft.com/office/powerpoint/2010/main" val="2635953619"/>
+      </p:ext>
+    </p:extLst>
+  </p:cSld>
+  <p:clrMapOvr>
+    <a:masterClrMapping/>
+  </p:clrMapOvr>
+</p:sld>
+</file>
+
+<file path=ppt/slides/slide5.xml><?xml version="1.0" encoding="utf-8"?>
+<p:sld xmlns:a="http://schemas.openxmlformats.org/drawingml/2006/main" xmlns:r="http://schemas.openxmlformats.org/officeDocument/2006/relationships" xmlns:p="http://schemas.openxmlformats.org/presentationml/2006/main">
+  <p:cSld>
+    <p:spTree>
+      <p:nvGrpSpPr>
+        <p:cNvPr id="1" name=""/>
+        <p:cNvGrpSpPr/>
+        <p:nvPr/>
+      </p:nvGrpSpPr>
+      <p:grpSpPr>
+        <a:xfrm>
+          <a:off x="0" y="0"/>
+          <a:ext cx="0" cy="0"/>
+          <a:chOff x="0" y="0"/>
+          <a:chExt cx="0" cy="0"/>
+        </a:xfrm>
+      </p:grpSpPr>
+      <p:sp>
+        <p:nvSpPr>
+          <p:cNvPr id="2" name="Title 1">
             <a:extLst>
               <a:ext uri="{FF2B5EF4-FFF2-40B4-BE49-F238E27FC236}">
-                <a16:creationId xmlns:a16="http://schemas.microsoft.com/office/drawing/2014/main" id="{A8B5FB3A-DBC2-49E7-B8E9-76B44D37034D}"/>
+                <a16:creationId xmlns:a16="http://schemas.microsoft.com/office/drawing/2014/main" id="{8B00D910-FC7B-4A8B-B2A6-95833031BDB8}"/>
               </a:ext>
             </a:extLst>
           </p:cNvPr>
@@ -5493,163 +6619,550 @@
             <a:spLocks noGrp="1"/>
           </p:cNvSpPr>
           <p:nvPr>
+            <p:ph type="title"/>
+          </p:nvPr>
+        </p:nvSpPr>
+        <p:spPr/>
+        <p:txBody>
+          <a:bodyPr/>
+          <a:lstStyle/>
+          <a:p>
+            <a:r>
+              <a:rPr lang="en-GB" dirty="0">
+                <a:solidFill>
+                  <a:schemeClr val="accent3">
+                    <a:lumMod val="75000"/>
+                  </a:schemeClr>
+                </a:solidFill>
+              </a:rPr>
+              <a:t>Discussion:</a:t>
+            </a:r>
+            <a:r>
+              <a:rPr lang="en-GB" dirty="0"/>
+              <a:t> How to convince people</a:t>
+            </a:r>
+          </a:p>
+        </p:txBody>
+      </p:sp>
+    </p:spTree>
+    <p:extLst>
+      <p:ext uri="{BB962C8B-B14F-4D97-AF65-F5344CB8AC3E}">
+        <p14:creationId xmlns:p14="http://schemas.microsoft.com/office/powerpoint/2010/main" val="3675655159"/>
+      </p:ext>
+    </p:extLst>
+  </p:cSld>
+  <p:clrMapOvr>
+    <a:masterClrMapping/>
+  </p:clrMapOvr>
+</p:sld>
+</file>
+
+<file path=ppt/slides/slide6.xml><?xml version="1.0" encoding="utf-8"?>
+<p:sld xmlns:a="http://schemas.openxmlformats.org/drawingml/2006/main" xmlns:r="http://schemas.openxmlformats.org/officeDocument/2006/relationships" xmlns:p="http://schemas.openxmlformats.org/presentationml/2006/main">
+  <p:cSld>
+    <p:spTree>
+      <p:nvGrpSpPr>
+        <p:cNvPr id="1" name=""/>
+        <p:cNvGrpSpPr/>
+        <p:nvPr/>
+      </p:nvGrpSpPr>
+      <p:grpSpPr>
+        <a:xfrm>
+          <a:off x="0" y="0"/>
+          <a:ext cx="0" cy="0"/>
+          <a:chOff x="0" y="0"/>
+          <a:chExt cx="0" cy="0"/>
+        </a:xfrm>
+      </p:grpSpPr>
+      <p:sp>
+        <p:nvSpPr>
+          <p:cNvPr id="3" name="Title 2">
+            <a:extLst>
+              <a:ext uri="{FF2B5EF4-FFF2-40B4-BE49-F238E27FC236}">
+                <a16:creationId xmlns:a16="http://schemas.microsoft.com/office/drawing/2014/main" id="{4FE257C5-49CD-424C-BA10-335A7C8E02BC}"/>
+              </a:ext>
+            </a:extLst>
+          </p:cNvPr>
+          <p:cNvSpPr>
+            <a:spLocks noGrp="1"/>
+          </p:cNvSpPr>
+          <p:nvPr>
+            <p:ph type="title"/>
+          </p:nvPr>
+        </p:nvSpPr>
+        <p:spPr/>
+        <p:txBody>
+          <a:bodyPr/>
+          <a:lstStyle/>
+          <a:p>
+            <a:r>
+              <a:rPr lang="en-GB" dirty="0"/>
+              <a:t>Argument Aims (3 Ps)</a:t>
+            </a:r>
+          </a:p>
+        </p:txBody>
+      </p:sp>
+      <p:sp>
+        <p:nvSpPr>
+          <p:cNvPr id="4" name="Content Placeholder 3">
+            <a:extLst>
+              <a:ext uri="{FF2B5EF4-FFF2-40B4-BE49-F238E27FC236}">
+                <a16:creationId xmlns:a16="http://schemas.microsoft.com/office/drawing/2014/main" id="{3777C74C-3BB9-4D6C-840F-139E4049AE86}"/>
+              </a:ext>
+            </a:extLst>
+          </p:cNvPr>
+          <p:cNvSpPr>
+            <a:spLocks noGrp="1"/>
+          </p:cNvSpPr>
+          <p:nvPr>
             <p:ph idx="1"/>
           </p:nvPr>
+        </p:nvSpPr>
+        <p:spPr/>
+        <p:txBody>
+          <a:bodyPr>
+            <a:normAutofit/>
+          </a:bodyPr>
+          <a:lstStyle/>
+          <a:p>
+            <a:r>
+              <a:rPr lang="en-GB" sz="2800" b="1" dirty="0"/>
+              <a:t>Put forward </a:t>
+            </a:r>
+            <a:r>
+              <a:rPr lang="en-GB" sz="2800" dirty="0"/>
+              <a:t>the reasons </a:t>
+            </a:r>
+            <a:r>
+              <a:rPr lang="en-GB" sz="2800" b="1" dirty="0">
+                <a:solidFill>
+                  <a:schemeClr val="accent3">
+                    <a:lumMod val="75000"/>
+                  </a:schemeClr>
+                </a:solidFill>
+              </a:rPr>
+              <a:t>for</a:t>
+            </a:r>
+            <a:r>
+              <a:rPr lang="en-GB" sz="2800" dirty="0"/>
+              <a:t> your claim, backed up with </a:t>
+            </a:r>
+            <a:r>
+              <a:rPr lang="en-GB" sz="2800" dirty="0">
+                <a:solidFill>
+                  <a:schemeClr val="accent2">
+                    <a:lumMod val="75000"/>
+                  </a:schemeClr>
+                </a:solidFill>
+              </a:rPr>
+              <a:t>examples</a:t>
+            </a:r>
+            <a:r>
+              <a:rPr lang="en-GB" sz="2800" dirty="0"/>
+              <a:t> and </a:t>
+            </a:r>
+            <a:r>
+              <a:rPr lang="en-GB" sz="2800" dirty="0">
+                <a:solidFill>
+                  <a:schemeClr val="accent2">
+                    <a:lumMod val="75000"/>
+                  </a:schemeClr>
+                </a:solidFill>
+              </a:rPr>
+              <a:t>evidence</a:t>
+            </a:r>
+          </a:p>
+          <a:p>
+            <a:r>
+              <a:rPr lang="en-GB" sz="2800" b="1" dirty="0"/>
+              <a:t>Provide reasons </a:t>
+            </a:r>
+            <a:r>
+              <a:rPr lang="en-GB" sz="2800" dirty="0"/>
+              <a:t>for your audience to </a:t>
+            </a:r>
+            <a:r>
+              <a:rPr lang="en-GB" sz="2800" dirty="0">
+                <a:solidFill>
+                  <a:schemeClr val="accent3">
+                    <a:lumMod val="75000"/>
+                  </a:schemeClr>
+                </a:solidFill>
+              </a:rPr>
+              <a:t>reject</a:t>
+            </a:r>
+            <a:r>
+              <a:rPr lang="en-GB" sz="2800" dirty="0"/>
+              <a:t> opposing or alternative views</a:t>
+            </a:r>
+          </a:p>
+          <a:p>
+            <a:pPr lvl="1"/>
+            <a:r>
+              <a:rPr lang="en-GB" sz="2600" dirty="0"/>
+              <a:t>Consider any </a:t>
+            </a:r>
+            <a:r>
+              <a:rPr lang="en-GB" sz="2600" dirty="0">
+                <a:solidFill>
+                  <a:schemeClr val="accent2">
+                    <a:lumMod val="75000"/>
+                  </a:schemeClr>
+                </a:solidFill>
+              </a:rPr>
+              <a:t>objections</a:t>
+            </a:r>
+            <a:r>
+              <a:rPr lang="en-GB" sz="2600" dirty="0"/>
+              <a:t> or </a:t>
+            </a:r>
+            <a:r>
+              <a:rPr lang="en-GB" sz="2600" dirty="0">
+                <a:solidFill>
+                  <a:schemeClr val="accent2">
+                    <a:lumMod val="75000"/>
+                  </a:schemeClr>
+                </a:solidFill>
+              </a:rPr>
+              <a:t>alternatives</a:t>
+            </a:r>
+            <a:r>
+              <a:rPr lang="en-GB" sz="2600" dirty="0"/>
+              <a:t> that might be raised to your claim and </a:t>
+            </a:r>
+            <a:r>
+              <a:rPr lang="en-GB" sz="2600" dirty="0">
+                <a:solidFill>
+                  <a:schemeClr val="accent3">
+                    <a:lumMod val="75000"/>
+                  </a:schemeClr>
+                </a:solidFill>
+              </a:rPr>
+              <a:t>refute</a:t>
+            </a:r>
+            <a:r>
+              <a:rPr lang="en-GB" sz="2600" dirty="0"/>
+              <a:t> them</a:t>
+            </a:r>
+          </a:p>
+          <a:p>
+            <a:r>
+              <a:rPr lang="en-GB" sz="2800" b="1" dirty="0"/>
+              <a:t>Persuade</a:t>
+            </a:r>
+            <a:r>
+              <a:rPr lang="en-GB" sz="2800" dirty="0"/>
+              <a:t> your audience to </a:t>
+            </a:r>
+            <a:r>
+              <a:rPr lang="en-GB" sz="2800" dirty="0">
+                <a:solidFill>
+                  <a:schemeClr val="accent3">
+                    <a:lumMod val="75000"/>
+                  </a:schemeClr>
+                </a:solidFill>
+              </a:rPr>
+              <a:t>accept</a:t>
+            </a:r>
+            <a:r>
+              <a:rPr lang="en-GB" sz="2800" dirty="0"/>
+              <a:t> your conclusion</a:t>
+            </a:r>
+          </a:p>
+        </p:txBody>
+      </p:sp>
+      <p:sp>
+        <p:nvSpPr>
+          <p:cNvPr id="5" name="Speech Bubble: Rectangle 4">
+            <a:extLst>
+              <a:ext uri="{FF2B5EF4-FFF2-40B4-BE49-F238E27FC236}">
+                <a16:creationId xmlns:a16="http://schemas.microsoft.com/office/drawing/2014/main" id="{FB96AC1C-811A-4429-BA0F-5FAA16F1172D}"/>
+              </a:ext>
+            </a:extLst>
+          </p:cNvPr>
+          <p:cNvSpPr/>
+          <p:nvPr/>
         </p:nvSpPr>
         <p:spPr>
           <a:xfrm>
-            <a:off x="1066800" y="1864129"/>
-            <a:ext cx="10058400" cy="4112286"/>
+            <a:off x="7244861" y="472738"/>
+            <a:ext cx="4478216" cy="1541456"/>
           </a:xfrm>
+          <a:prstGeom prst="wedgeRectCallout">
+            <a:avLst>
+              <a:gd name="adj1" fmla="val -26906"/>
+              <a:gd name="adj2" fmla="val 63619"/>
+            </a:avLst>
+          </a:prstGeom>
+          <a:solidFill>
+            <a:schemeClr val="accent1">
+              <a:lumMod val="60000"/>
+              <a:lumOff val="40000"/>
+            </a:schemeClr>
+          </a:solidFill>
         </p:spPr>
-        <p:txBody>
-          <a:bodyPr>
-            <a:noAutofit/>
-          </a:bodyPr>
+        <p:style>
+          <a:lnRef idx="2">
+            <a:schemeClr val="accent1">
+              <a:shade val="50000"/>
+            </a:schemeClr>
+          </a:lnRef>
+          <a:fillRef idx="1">
+            <a:schemeClr val="accent1"/>
+          </a:fillRef>
+          <a:effectRef idx="0">
+            <a:schemeClr val="accent1"/>
+          </a:effectRef>
+          <a:fontRef idx="minor">
+            <a:schemeClr val="lt1"/>
+          </a:fontRef>
+        </p:style>
+        <p:txBody>
+          <a:bodyPr rtlCol="0" anchor="ctr"/>
           <a:lstStyle/>
           <a:p>
-            <a:pPr marL="514350" indent="-514350">
-              <a:buFont typeface="+mj-lt"/>
-              <a:buAutoNum type="arabicPeriod"/>
-            </a:pPr>
-            <a:r>
-              <a:rPr lang="en-GB" sz="2000" b="1" dirty="0"/>
-              <a:t>Top recommendation </a:t>
-            </a:r>
-            <a:r>
-              <a:rPr lang="en-GB" sz="2000" dirty="0"/>
-              <a:t>–</a:t>
-            </a:r>
-            <a:r>
-              <a:rPr lang="en-GB" sz="2000" b="1" dirty="0"/>
-              <a:t> </a:t>
-            </a:r>
-            <a:r>
-              <a:rPr lang="en-GB" sz="2000" dirty="0"/>
-              <a:t>spend at least some time investigating web platforms (e.g. </a:t>
-            </a:r>
-            <a:r>
-              <a:rPr lang="en-GB" sz="2000" dirty="0" err="1"/>
-              <a:t>Wordpress</a:t>
-            </a:r>
-            <a:r>
-              <a:rPr lang="en-GB" sz="2000" dirty="0"/>
-              <a:t>, GitHub pages, </a:t>
-            </a:r>
-            <a:r>
-              <a:rPr lang="en-GB" sz="2000" dirty="0" err="1"/>
-              <a:t>Wix</a:t>
-            </a:r>
-            <a:r>
-              <a:rPr lang="en-GB" sz="2000" dirty="0"/>
-              <a:t>, Weebly…) to determine:</a:t>
-            </a:r>
-          </a:p>
-          <a:p>
-            <a:pPr marL="788670" lvl="1" indent="-514350">
-              <a:buFont typeface="+mj-lt"/>
-              <a:buAutoNum type="alphaLcParenR"/>
-            </a:pPr>
-            <a:r>
-              <a:rPr lang="en-GB" sz="2000" dirty="0"/>
-              <a:t>How easy is it to use/get the look you want? Try setting up a basic page with some text and images.</a:t>
-            </a:r>
-          </a:p>
-          <a:p>
-            <a:pPr marL="788670" lvl="1" indent="-514350">
-              <a:buFont typeface="+mj-lt"/>
-              <a:buAutoNum type="alphaLcParenR"/>
-            </a:pPr>
-            <a:r>
-              <a:rPr lang="en-GB" sz="2000" dirty="0"/>
-              <a:t>How easy is it to download an html copy that works offline? (</a:t>
-            </a:r>
-            <a:r>
-              <a:rPr lang="en-GB" sz="2000" i="1" dirty="0"/>
-              <a:t>Test this out!)</a:t>
-            </a:r>
-          </a:p>
-          <a:p>
-            <a:pPr lvl="2">
+            <a:pPr algn="ctr"/>
+            <a:r>
+              <a:rPr lang="en-GB" sz="2400" dirty="0">
+                <a:solidFill>
+                  <a:schemeClr val="tx1">
+                    <a:lumMod val="75000"/>
+                    <a:lumOff val="25000"/>
+                  </a:schemeClr>
+                </a:solidFill>
+              </a:rPr>
+              <a:t>Keep it factual:</a:t>
+            </a:r>
+          </a:p>
+          <a:p>
+            <a:pPr marL="342900" indent="-342900">
               <a:buFont typeface="Arial" panose="020B0604020202020204" pitchFamily="34" charset="0"/>
               <a:buChar char="•"/>
             </a:pPr>
             <a:r>
-              <a:rPr lang="en-GB" sz="2000" dirty="0"/>
-              <a:t>Investigate 3rd party tools if need be, e.g. </a:t>
-            </a:r>
-            <a:r>
-              <a:rPr lang="en-GB" sz="2000" dirty="0" err="1"/>
-              <a:t>SiteSucker</a:t>
-            </a:r>
-            <a:r>
-              <a:rPr lang="en-GB" sz="2000" dirty="0"/>
-              <a:t> (MacOS), </a:t>
-            </a:r>
-            <a:r>
-              <a:rPr lang="en-GB" sz="2000" dirty="0" err="1"/>
-              <a:t>WebCopy</a:t>
-            </a:r>
-            <a:r>
-              <a:rPr lang="en-GB" sz="2000" dirty="0"/>
-              <a:t> (Windows)</a:t>
-            </a:r>
-          </a:p>
-          <a:p>
-            <a:pPr marL="514350" indent="-514350">
-              <a:buFont typeface="+mj-lt"/>
-              <a:buAutoNum type="arabicPeriod"/>
+              <a:rPr lang="en-GB" sz="2400" dirty="0">
+                <a:solidFill>
+                  <a:schemeClr val="tx1">
+                    <a:lumMod val="75000"/>
+                    <a:lumOff val="25000"/>
+                  </a:schemeClr>
+                </a:solidFill>
+              </a:rPr>
+              <a:t>Experimental evidence</a:t>
+            </a:r>
+          </a:p>
+          <a:p>
+            <a:pPr marL="342900" indent="-342900">
+              <a:buFont typeface="Arial" panose="020B0604020202020204" pitchFamily="34" charset="0"/>
+              <a:buChar char="•"/>
             </a:pPr>
             <a:r>
-              <a:rPr lang="en-GB" sz="2000" b="1" dirty="0"/>
-              <a:t>Also recommended </a:t>
-            </a:r>
-            <a:r>
-              <a:rPr lang="en-GB" sz="2000" dirty="0"/>
-              <a:t>–</a:t>
-            </a:r>
-          </a:p>
-          <a:p>
-            <a:pPr marL="788670" lvl="1" indent="-514350">
-              <a:buFont typeface="+mj-lt"/>
-              <a:buAutoNum type="alphaLcParenR"/>
+              <a:rPr lang="en-GB" sz="2400" dirty="0">
+                <a:solidFill>
+                  <a:schemeClr val="tx1">
+                    <a:lumMod val="75000"/>
+                    <a:lumOff val="25000"/>
+                  </a:schemeClr>
+                </a:solidFill>
+              </a:rPr>
+              <a:t>Scientific studies/research</a:t>
+            </a:r>
+          </a:p>
+          <a:p>
+            <a:pPr marL="342900" indent="-342900">
+              <a:buFont typeface="Arial" panose="020B0604020202020204" pitchFamily="34" charset="0"/>
+              <a:buChar char="•"/>
             </a:pPr>
             <a:r>
-              <a:rPr lang="en-GB" sz="2000" dirty="0"/>
-              <a:t>Start writing about the research you’ve done and your argument.</a:t>
-            </a:r>
-          </a:p>
-          <a:p>
-            <a:pPr marL="788670" lvl="1" indent="-514350">
-              <a:buFont typeface="+mj-lt"/>
-              <a:buAutoNum type="alphaLcParenR"/>
-            </a:pPr>
-            <a:r>
-              <a:rPr lang="en-GB" sz="2000" dirty="0"/>
-              <a:t>Start drafting your poster – e.g. make notes on content for each section; create/start creating your UML diagram.</a:t>
-            </a:r>
-          </a:p>
-          <a:p>
-            <a:pPr marL="514350" indent="-514350">
-              <a:buFont typeface="+mj-lt"/>
-              <a:buAutoNum type="arabicPeriod"/>
-            </a:pPr>
-            <a:r>
-              <a:rPr lang="en-GB" sz="2000" b="1" dirty="0"/>
-              <a:t>If you need to</a:t>
-            </a:r>
-            <a:r>
-              <a:rPr lang="en-GB" sz="2000" dirty="0"/>
-              <a:t> – continue work on your artefact.</a:t>
-            </a:r>
-            <a:endParaRPr lang="en-GB" sz="2000" b="1" dirty="0"/>
+              <a:rPr lang="en-GB" sz="2400" dirty="0">
+                <a:solidFill>
+                  <a:schemeClr val="tx1">
+                    <a:lumMod val="75000"/>
+                    <a:lumOff val="25000"/>
+                  </a:schemeClr>
+                </a:solidFill>
+              </a:rPr>
+              <a:t>Statistics</a:t>
+            </a:r>
+          </a:p>
+        </p:txBody>
+      </p:sp>
+      <p:sp>
+        <p:nvSpPr>
+          <p:cNvPr id="6" name="Speech Bubble: Rectangle 5">
+            <a:extLst>
+              <a:ext uri="{FF2B5EF4-FFF2-40B4-BE49-F238E27FC236}">
+                <a16:creationId xmlns:a16="http://schemas.microsoft.com/office/drawing/2014/main" id="{E1BC9C3A-8115-4D67-995B-3E3670B44FC7}"/>
+              </a:ext>
+            </a:extLst>
+          </p:cNvPr>
+          <p:cNvSpPr/>
+          <p:nvPr/>
+        </p:nvSpPr>
+        <p:spPr>
+          <a:xfrm>
+            <a:off x="7643446" y="3687709"/>
+            <a:ext cx="3915508" cy="514617"/>
+          </a:xfrm>
+          <a:prstGeom prst="wedgeRectCallout">
+            <a:avLst>
+              <a:gd name="adj1" fmla="val -77537"/>
+              <a:gd name="adj2" fmla="val 45536"/>
+            </a:avLst>
+          </a:prstGeom>
+          <a:solidFill>
+            <a:schemeClr val="accent1">
+              <a:lumMod val="60000"/>
+              <a:lumOff val="40000"/>
+            </a:schemeClr>
+          </a:solidFill>
+        </p:spPr>
+        <p:style>
+          <a:lnRef idx="2">
+            <a:schemeClr val="accent1">
+              <a:shade val="50000"/>
+            </a:schemeClr>
+          </a:lnRef>
+          <a:fillRef idx="1">
+            <a:schemeClr val="accent1"/>
+          </a:fillRef>
+          <a:effectRef idx="0">
+            <a:schemeClr val="accent1"/>
+          </a:effectRef>
+          <a:fontRef idx="minor">
+            <a:schemeClr val="lt1"/>
+          </a:fontRef>
+        </p:style>
+        <p:txBody>
+          <a:bodyPr rtlCol="0" anchor="ctr"/>
+          <a:lstStyle/>
+          <a:p>
+            <a:pPr algn="ctr"/>
+            <a:r>
+              <a:rPr lang="en-GB" sz="2400" dirty="0">
+                <a:solidFill>
+                  <a:schemeClr val="tx1">
+                    <a:lumMod val="75000"/>
+                    <a:lumOff val="25000"/>
+                  </a:schemeClr>
+                </a:solidFill>
+              </a:rPr>
+              <a:t>Weigh up pros and cons</a:t>
+            </a:r>
+          </a:p>
+        </p:txBody>
+      </p:sp>
+      <p:sp>
+        <p:nvSpPr>
+          <p:cNvPr id="7" name="Speech Bubble: Rectangle 6">
+            <a:extLst>
+              <a:ext uri="{FF2B5EF4-FFF2-40B4-BE49-F238E27FC236}">
+                <a16:creationId xmlns:a16="http://schemas.microsoft.com/office/drawing/2014/main" id="{7743DB83-DC28-4DC0-AD12-61FE6EA2FA5D}"/>
+              </a:ext>
+            </a:extLst>
+          </p:cNvPr>
+          <p:cNvSpPr/>
+          <p:nvPr/>
+        </p:nvSpPr>
+        <p:spPr>
+          <a:xfrm>
+            <a:off x="2975351" y="5786915"/>
+            <a:ext cx="6940062" cy="514617"/>
+          </a:xfrm>
+          <a:prstGeom prst="wedgeRectCallout">
+            <a:avLst>
+              <a:gd name="adj1" fmla="val -50168"/>
+              <a:gd name="adj2" fmla="val -84217"/>
+            </a:avLst>
+          </a:prstGeom>
+          <a:solidFill>
+            <a:schemeClr val="accent1">
+              <a:lumMod val="60000"/>
+              <a:lumOff val="40000"/>
+            </a:schemeClr>
+          </a:solidFill>
+        </p:spPr>
+        <p:style>
+          <a:lnRef idx="2">
+            <a:schemeClr val="accent1">
+              <a:shade val="50000"/>
+            </a:schemeClr>
+          </a:lnRef>
+          <a:fillRef idx="1">
+            <a:schemeClr val="accent1"/>
+          </a:fillRef>
+          <a:effectRef idx="0">
+            <a:schemeClr val="accent1"/>
+          </a:effectRef>
+          <a:fontRef idx="minor">
+            <a:schemeClr val="lt1"/>
+          </a:fontRef>
+        </p:style>
+        <p:txBody>
+          <a:bodyPr rtlCol="0" anchor="ctr"/>
+          <a:lstStyle/>
+          <a:p>
+            <a:pPr algn="ctr"/>
+            <a:r>
+              <a:rPr lang="en-GB" sz="2400" dirty="0">
+                <a:solidFill>
+                  <a:schemeClr val="tx1">
+                    <a:lumMod val="75000"/>
+                    <a:lumOff val="25000"/>
+                  </a:schemeClr>
+                </a:solidFill>
+              </a:rPr>
+              <a:t>Summarise how the good outweighs the bad</a:t>
+            </a:r>
+          </a:p>
+        </p:txBody>
+      </p:sp>
+      <p:sp>
+        <p:nvSpPr>
+          <p:cNvPr id="8" name="TextBox 7">
+            <a:extLst>
+              <a:ext uri="{FF2B5EF4-FFF2-40B4-BE49-F238E27FC236}">
+                <a16:creationId xmlns:a16="http://schemas.microsoft.com/office/drawing/2014/main" id="{A8C7BC3C-3377-463D-86B9-B295C05F35DB}"/>
+              </a:ext>
+            </a:extLst>
+          </p:cNvPr>
+          <p:cNvSpPr txBox="1"/>
+          <p:nvPr/>
+        </p:nvSpPr>
+        <p:spPr>
+          <a:xfrm>
+            <a:off x="1066800" y="1689325"/>
+            <a:ext cx="6276077" cy="307777"/>
+          </a:xfrm>
+          <a:prstGeom prst="rect">
+            <a:avLst/>
+          </a:prstGeom>
+          <a:noFill/>
+        </p:spPr>
+        <p:txBody>
+          <a:bodyPr wrap="none" rtlCol="0">
+            <a:spAutoFit/>
+          </a:bodyPr>
+          <a:lstStyle/>
+          <a:p>
+            <a:r>
+              <a:rPr lang="en-GB" sz="1400" dirty="0"/>
+              <a:t>Source: </a:t>
+            </a:r>
+            <a:r>
+              <a:rPr lang="en-GB" sz="1400" dirty="0">
+                <a:hlinkClick r:id="rId2"/>
+              </a:rPr>
+              <a:t>https://www.ucas.com/file/62641/download?token=sZT0YGZN</a:t>
+            </a:r>
+            <a:endParaRPr lang="en-GB" sz="1400" dirty="0"/>
           </a:p>
         </p:txBody>
       </p:sp>
     </p:spTree>
     <p:extLst>
       <p:ext uri="{BB962C8B-B14F-4D97-AF65-F5344CB8AC3E}">
-        <p14:creationId xmlns:p14="http://schemas.microsoft.com/office/powerpoint/2010/main" val="2987205183"/>
+        <p14:creationId xmlns:p14="http://schemas.microsoft.com/office/powerpoint/2010/main" val="3191157771"/>
       </p:ext>
     </p:extLst>
   </p:cSld>
@@ -5677,7 +7190,7 @@
                             </p:stCondLst>
                             <p:childTnLst>
                               <p:par>
-                                <p:cTn id="5" presetID="1" presetClass="entr" presetSubtype="0" fill="hold" grpId="0" nodeType="clickEffect">
+                                <p:cTn id="5" presetID="10" presetClass="entr" presetSubtype="0" fill="hold" grpId="0" nodeType="clickEffect">
                                   <p:stCondLst>
                                     <p:cond delay="0"/>
                                   </p:stCondLst>
@@ -5690,7 +7203,7 @@
                                           </p:stCondLst>
                                         </p:cTn>
                                         <p:tgtEl>
-                                          <p:spTgt spid="3">
+                                          <p:spTgt spid="4">
                                             <p:txEl>
                                               <p:pRg st="0" end="0"/>
                                             </p:txEl>
@@ -5704,28 +7217,54 @@
                                         <p:strVal val="visible"/>
                                       </p:to>
                                     </p:set>
+                                    <p:animEffect transition="in" filter="fade">
+                                      <p:cBhvr>
+                                        <p:cTn id="7" dur="500"/>
+                                        <p:tgtEl>
+                                          <p:spTgt spid="4">
+                                            <p:txEl>
+                                              <p:pRg st="0" end="0"/>
+                                            </p:txEl>
+                                          </p:spTgt>
+                                        </p:tgtEl>
+                                      </p:cBhvr>
+                                    </p:animEffect>
                                   </p:childTnLst>
                                 </p:cTn>
                               </p:par>
+                            </p:childTnLst>
+                          </p:cTn>
+                        </p:par>
+                      </p:childTnLst>
+                    </p:cTn>
+                  </p:par>
+                  <p:par>
+                    <p:cTn id="8" fill="hold">
+                      <p:stCondLst>
+                        <p:cond delay="indefinite"/>
+                      </p:stCondLst>
+                      <p:childTnLst>
+                        <p:par>
+                          <p:cTn id="9" fill="hold">
+                            <p:stCondLst>
+                              <p:cond delay="0"/>
+                            </p:stCondLst>
+                            <p:childTnLst>
                               <p:par>
-                                <p:cTn id="7" presetID="1" presetClass="entr" presetSubtype="0" fill="hold" grpId="0" nodeType="withEffect">
+                                <p:cTn id="10" presetID="10" presetClass="entr" presetSubtype="0" fill="hold" grpId="0" nodeType="clickEffect">
                                   <p:stCondLst>
                                     <p:cond delay="0"/>
                                   </p:stCondLst>
                                   <p:childTnLst>
                                     <p:set>
                                       <p:cBhvr>
-                                        <p:cTn id="8" dur="1" fill="hold">
+                                        <p:cTn id="11" dur="1" fill="hold">
                                           <p:stCondLst>
                                             <p:cond delay="0"/>
                                           </p:stCondLst>
                                         </p:cTn>
                                         <p:tgtEl>
-                                          <p:spTgt spid="3">
-                                            <p:txEl>
-                                              <p:pRg st="1" end="1"/>
-                                            </p:txEl>
-                                          </p:spTgt>
+                                          <p:spTgt spid="5"/>
                                         </p:tgtEl>
                                         <p:attrNameLst>
                                           <p:attrName>style.visibility</p:attrName>
@@ -5735,68 +7274,14 @@
                                         <p:strVal val="visible"/>
                                       </p:to>
                                     </p:set>
-                                  </p:childTnLst>
-                                </p:cTn>
-                              </p:par>
-                              <p:par>
-                                <p:cTn id="9" presetID="1" presetClass="entr" presetSubtype="0" fill="hold" grpId="0" nodeType="withEffect">
-                                  <p:stCondLst>
-                                    <p:cond delay="0"/>
-                                  </p:stCondLst>
-                                  <p:childTnLst>
-                                    <p:set>
+                                    <p:animEffect transition="in" filter="fade">
                                       <p:cBhvr>
-                                        <p:cTn id="10" dur="1" fill="hold">
-                                          <p:stCondLst>
-                                            <p:cond delay="0"/>
-                                          </p:stCondLst>
-                                        </p:cTn>
+                                        <p:cTn id="12" dur="500"/>
                                         <p:tgtEl>
-                                          <p:spTgt spid="3">
-                                            <p:txEl>
-                                              <p:pRg st="2" end="2"/>
-                                            </p:txEl>
-                                          </p:spTgt>
+                                          <p:spTgt spid="5"/>
                                         </p:tgtEl>
-                                        <p:attrNameLst>
-                                          <p:attrName>style.visibility</p:attrName>
-                                        </p:attrNameLst>
                                       </p:cBhvr>
-                                      <p:to>
-                                        <p:strVal val="visible"/>
-                                      </p:to>
-                                    </p:set>
-                                  </p:childTnLst>
-                                </p:cTn>
-                              </p:par>
-                              <p:par>
-                                <p:cTn id="11" presetID="1" presetClass="entr" presetSubtype="0" fill="hold" grpId="0" nodeType="withEffect">
-                                  <p:stCondLst>
-                                    <p:cond delay="0"/>
-                                  </p:stCondLst>
-                                  <p:childTnLst>
-                                    <p:set>
-                                      <p:cBhvr>
-                                        <p:cTn id="12" dur="1" fill="hold">
-                                          <p:stCondLst>
-                                            <p:cond delay="0"/>
-                                          </p:stCondLst>
-                                        </p:cTn>
-                                        <p:tgtEl>
-                                          <p:spTgt spid="3">
-                                            <p:txEl>
-                                              <p:pRg st="3" end="3"/>
-                                            </p:txEl>
-                                          </p:spTgt>
-                                        </p:tgtEl>
-                                        <p:attrNameLst>
-                                          <p:attrName>style.visibility</p:attrName>
-                                        </p:attrNameLst>
-                                      </p:cBhvr>
-                                      <p:to>
-                                        <p:strVal val="visible"/>
-                                      </p:to>
-                                    </p:set>
+                                    </p:animEffect>
                                   </p:childTnLst>
                                 </p:cTn>
                               </p:par>
@@ -5819,7 +7304,7 @@
                             </p:stCondLst>
                             <p:childTnLst>
                               <p:par>
-                                <p:cTn id="15" presetID="1" presetClass="entr" presetSubtype="0" fill="hold" grpId="0" nodeType="clickEffect">
+                                <p:cTn id="15" presetID="10" presetClass="entr" presetSubtype="0" fill="hold" grpId="0" nodeType="clickEffect">
                                   <p:stCondLst>
                                     <p:cond delay="0"/>
                                   </p:stCondLst>
@@ -5832,9 +7317,9 @@
                                           </p:stCondLst>
                                         </p:cTn>
                                         <p:tgtEl>
-                                          <p:spTgt spid="3">
+                                          <p:spTgt spid="4">
                                             <p:txEl>
-                                              <p:pRg st="4" end="4"/>
+                                              <p:pRg st="1" end="1"/>
                                             </p:txEl>
                                           </p:spTgt>
                                         </p:tgtEl>
@@ -5846,26 +7331,56 @@
                                         <p:strVal val="visible"/>
                                       </p:to>
                                     </p:set>
+                                    <p:animEffect transition="in" filter="fade">
+                                      <p:cBhvr>
+                                        <p:cTn id="17" dur="500"/>
+                                        <p:tgtEl>
+                                          <p:spTgt spid="4">
+                                            <p:txEl>
+                                              <p:pRg st="1" end="1"/>
+                                            </p:txEl>
+                                          </p:spTgt>
+                                        </p:tgtEl>
+                                      </p:cBhvr>
+                                    </p:animEffect>
                                   </p:childTnLst>
                                 </p:cTn>
                               </p:par>
+                            </p:childTnLst>
+                          </p:cTn>
+                        </p:par>
+                      </p:childTnLst>
+                    </p:cTn>
+                  </p:par>
+                  <p:par>
+                    <p:cTn id="18" fill="hold">
+                      <p:stCondLst>
+                        <p:cond delay="indefinite"/>
+                      </p:stCondLst>
+                      <p:childTnLst>
+                        <p:par>
+                          <p:cTn id="19" fill="hold">
+                            <p:stCondLst>
+                              <p:cond delay="0"/>
+                            </p:stCondLst>
+                            <p:childTnLst>
                               <p:par>
-                                <p:cTn id="17" presetID="1" presetClass="entr" presetSubtype="0" fill="hold" grpId="0" nodeType="withEffect">
+                                <p:cTn id="20" presetID="10" presetClass="entr" presetSubtype="0" fill="hold" grpId="0" nodeType="clickEffect">
                                   <p:stCondLst>
                                     <p:cond delay="0"/>
                                   </p:stCondLst>
                                   <p:childTnLst>
                                     <p:set>
                                       <p:cBhvr>
-                                        <p:cTn id="18" dur="1" fill="hold">
+                                        <p:cTn id="21" dur="1" fill="hold">
                                           <p:stCondLst>
                                             <p:cond delay="0"/>
                                           </p:stCondLst>
                                         </p:cTn>
                                         <p:tgtEl>
-                                          <p:spTgt spid="3">
+                                          <p:spTgt spid="4">
                                             <p:txEl>
-                                              <p:pRg st="5" end="5"/>
+                                              <p:pRg st="2" end="2"/>
                                             </p:txEl>
                                           </p:spTgt>
                                         </p:tgtEl>
@@ -5877,26 +7392,109 @@
                                         <p:strVal val="visible"/>
                                       </p:to>
                                     </p:set>
+                                    <p:animEffect transition="in" filter="fade">
+                                      <p:cBhvr>
+                                        <p:cTn id="22" dur="500"/>
+                                        <p:tgtEl>
+                                          <p:spTgt spid="4">
+                                            <p:txEl>
+                                              <p:pRg st="2" end="2"/>
+                                            </p:txEl>
+                                          </p:spTgt>
+                                        </p:tgtEl>
+                                      </p:cBhvr>
+                                    </p:animEffect>
                                   </p:childTnLst>
                                 </p:cTn>
                               </p:par>
+                            </p:childTnLst>
+                          </p:cTn>
+                        </p:par>
+                      </p:childTnLst>
+                    </p:cTn>
+                  </p:par>
+                  <p:par>
+                    <p:cTn id="23" fill="hold">
+                      <p:stCondLst>
+                        <p:cond delay="indefinite"/>
+                      </p:stCondLst>
+                      <p:childTnLst>
+                        <p:par>
+                          <p:cTn id="24" fill="hold">
+                            <p:stCondLst>
+                              <p:cond delay="0"/>
+                            </p:stCondLst>
+                            <p:childTnLst>
                               <p:par>
-                                <p:cTn id="19" presetID="1" presetClass="entr" presetSubtype="0" fill="hold" grpId="0" nodeType="withEffect">
+                                <p:cTn id="25" presetID="10" presetClass="entr" presetSubtype="0" fill="hold" grpId="0" nodeType="clickEffect">
                                   <p:stCondLst>
                                     <p:cond delay="0"/>
                                   </p:stCondLst>
                                   <p:childTnLst>
                                     <p:set>
                                       <p:cBhvr>
-                                        <p:cTn id="20" dur="1" fill="hold">
+                                        <p:cTn id="26" dur="1" fill="hold">
                                           <p:stCondLst>
                                             <p:cond delay="0"/>
                                           </p:stCondLst>
                                         </p:cTn>
                                         <p:tgtEl>
-                                          <p:spTgt spid="3">
+                                          <p:spTgt spid="6"/>
+                                        </p:tgtEl>
+                                        <p:attrNameLst>
+                                          <p:attrName>style.visibility</p:attrName>
+                                        </p:attrNameLst>
+                                      </p:cBhvr>
+                                      <p:to>
+                                        <p:strVal val="visible"/>
+                                      </p:to>
+                                    </p:set>
+                                    <p:animEffect transition="in" filter="fade">
+                                      <p:cBhvr>
+                                        <p:cTn id="27" dur="500"/>
+                                        <p:tgtEl>
+                                          <p:spTgt spid="6"/>
+                                        </p:tgtEl>
+                                      </p:cBhvr>
+                                    </p:animEffect>
+                                  </p:childTnLst>
+                                </p:cTn>
+                              </p:par>
+                            </p:childTnLst>
+                          </p:cTn>
+                        </p:par>
+                      </p:childTnLst>
+                    </p:cTn>
+                  </p:par>
+                  <p:par>
+                    <p:cTn id="28" fill="hold">
+                      <p:stCondLst>
+                        <p:cond delay="indefinite"/>
+                      </p:stCondLst>
+                      <p:childTnLst>
+                        <p:par>
+                          <p:cTn id="29" fill="hold">
+                            <p:stCondLst>
+                              <p:cond delay="0"/>
+                            </p:stCondLst>
+                            <p:childTnLst>
+                              <p:par>
+                                <p:cTn id="30" presetID="10" presetClass="entr" presetSubtype="0" fill="hold" grpId="0" nodeType="clickEffect">
+                                  <p:stCondLst>
+                                    <p:cond delay="0"/>
+                                  </p:stCondLst>
+                                  <p:childTnLst>
+                                    <p:set>
+                                      <p:cBhvr>
+                                        <p:cTn id="31" dur="1" fill="hold">
+                                          <p:stCondLst>
+                                            <p:cond delay="0"/>
+                                          </p:stCondLst>
+                                        </p:cTn>
+                                        <p:tgtEl>
+                                          <p:spTgt spid="4">
                                             <p:txEl>
-                                              <p:pRg st="6" end="6"/>
+                                              <p:pRg st="3" end="3"/>
                                             </p:txEl>
                                           </p:spTgt>
                                         </p:tgtEl>
@@ -5908,6 +7506,18 @@
                                         <p:strVal val="visible"/>
                                       </p:to>
                                     </p:set>
+                                    <p:animEffect transition="in" filter="fade">
+                                      <p:cBhvr>
+                                        <p:cTn id="32" dur="500"/>
+                                        <p:tgtEl>
+                                          <p:spTgt spid="4">
+                                            <p:txEl>
+                                              <p:pRg st="3" end="3"/>
+                                            </p:txEl>
+                                          </p:spTgt>
+                                        </p:tgtEl>
+                                      </p:cBhvr>
+                                    </p:animEffect>
                                   </p:childTnLst>
                                 </p:cTn>
                               </p:par>
@@ -5918,36 +7528,32 @@
                     </p:cTn>
                   </p:par>
                   <p:par>
-                    <p:cTn id="21" fill="hold">
+                    <p:cTn id="33" fill="hold">
                       <p:stCondLst>
                         <p:cond delay="indefinite"/>
                       </p:stCondLst>
                       <p:childTnLst>
                         <p:par>
-                          <p:cTn id="22" fill="hold">
+                          <p:cTn id="34" fill="hold">
                             <p:stCondLst>
                               <p:cond delay="0"/>
                             </p:stCondLst>
                             <p:childTnLst>
                               <p:par>
-                                <p:cTn id="23" presetID="1" presetClass="entr" presetSubtype="0" fill="hold" grpId="0" nodeType="clickEffect">
+                                <p:cTn id="35" presetID="10" presetClass="entr" presetSubtype="0" fill="hold" grpId="0" nodeType="clickEffect">
                                   <p:stCondLst>
                                     <p:cond delay="0"/>
                                   </p:stCondLst>
                                   <p:childTnLst>
                                     <p:set>
                                       <p:cBhvr>
-                                        <p:cTn id="24" dur="1" fill="hold">
+                                        <p:cTn id="36" dur="1" fill="hold">
                                           <p:stCondLst>
                                             <p:cond delay="0"/>
                                           </p:stCondLst>
                                         </p:cTn>
                                         <p:tgtEl>
-                                          <p:spTgt spid="3">
-                                            <p:txEl>
-                                              <p:pRg st="7" end="7"/>
-                                            </p:txEl>
-                                          </p:spTgt>
+                                          <p:spTgt spid="7"/>
                                         </p:tgtEl>
                                         <p:attrNameLst>
                                           <p:attrName>style.visibility</p:attrName>
@@ -5957,6 +7563,14 @@
                                         <p:strVal val="visible"/>
                                       </p:to>
                                     </p:set>
+                                    <p:animEffect transition="in" filter="fade">
+                                      <p:cBhvr>
+                                        <p:cTn id="37" dur="500"/>
+                                        <p:tgtEl>
+                                          <p:spTgt spid="7"/>
+                                        </p:tgtEl>
+                                      </p:cBhvr>
+                                    </p:animEffect>
                                   </p:childTnLst>
                                 </p:cTn>
                               </p:par>
@@ -5988,7 +7602,1111 @@
       </p:par>
     </p:tnLst>
     <p:bldLst>
-      <p:bldP spid="3" grpId="0" build="p"/>
+      <p:bldP spid="4" grpId="0" uiExpand="1" build="p"/>
+      <p:bldP spid="5" grpId="0" animBg="1"/>
+      <p:bldP spid="6" grpId="0" animBg="1"/>
+      <p:bldP spid="7" grpId="0" animBg="1"/>
+    </p:bldLst>
+  </p:timing>
+</p:sld>
+</file>
+
+<file path=ppt/slides/slide7.xml><?xml version="1.0" encoding="utf-8"?>
+<p:sld xmlns:a="http://schemas.openxmlformats.org/drawingml/2006/main" xmlns:r="http://schemas.openxmlformats.org/officeDocument/2006/relationships" xmlns:p="http://schemas.openxmlformats.org/presentationml/2006/main">
+  <p:cSld>
+    <p:spTree>
+      <p:nvGrpSpPr>
+        <p:cNvPr id="1" name=""/>
+        <p:cNvGrpSpPr/>
+        <p:nvPr/>
+      </p:nvGrpSpPr>
+      <p:grpSpPr>
+        <a:xfrm>
+          <a:off x="0" y="0"/>
+          <a:ext cx="0" cy="0"/>
+          <a:chOff x="0" y="0"/>
+          <a:chExt cx="0" cy="0"/>
+        </a:xfrm>
+      </p:grpSpPr>
+      <p:sp>
+        <p:nvSpPr>
+          <p:cNvPr id="2" name="Title 1">
+            <a:extLst>
+              <a:ext uri="{FF2B5EF4-FFF2-40B4-BE49-F238E27FC236}">
+                <a16:creationId xmlns:a16="http://schemas.microsoft.com/office/drawing/2014/main" id="{17252B9E-36A9-4BB0-B509-CAF735426761}"/>
+              </a:ext>
+            </a:extLst>
+          </p:cNvPr>
+          <p:cNvSpPr>
+            <a:spLocks noGrp="1"/>
+          </p:cNvSpPr>
+          <p:nvPr>
+            <p:ph type="title"/>
+          </p:nvPr>
+        </p:nvSpPr>
+        <p:spPr/>
+        <p:txBody>
+          <a:bodyPr/>
+          <a:lstStyle/>
+          <a:p>
+            <a:r>
+              <a:rPr lang="en-GB" dirty="0">
+                <a:solidFill>
+                  <a:schemeClr val="accent2">
+                    <a:lumMod val="75000"/>
+                  </a:schemeClr>
+                </a:solidFill>
+              </a:rPr>
+              <a:t>Activity:</a:t>
+            </a:r>
+            <a:r>
+              <a:rPr lang="en-GB" dirty="0"/>
+              <a:t> Evaluating Arguments</a:t>
+            </a:r>
+          </a:p>
+        </p:txBody>
+      </p:sp>
+      <p:sp>
+        <p:nvSpPr>
+          <p:cNvPr id="3" name="Content Placeholder 2">
+            <a:extLst>
+              <a:ext uri="{FF2B5EF4-FFF2-40B4-BE49-F238E27FC236}">
+                <a16:creationId xmlns:a16="http://schemas.microsoft.com/office/drawing/2014/main" id="{511FFEC9-1A9A-4739-80AC-8D36E74CBACB}"/>
+              </a:ext>
+            </a:extLst>
+          </p:cNvPr>
+          <p:cNvSpPr>
+            <a:spLocks noGrp="1"/>
+          </p:cNvSpPr>
+          <p:nvPr>
+            <p:ph idx="1"/>
+          </p:nvPr>
+        </p:nvSpPr>
+        <p:spPr/>
+        <p:txBody>
+          <a:bodyPr>
+            <a:normAutofit/>
+          </a:bodyPr>
+          <a:lstStyle/>
+          <a:p>
+            <a:pPr marL="0" indent="0">
+              <a:buNone/>
+            </a:pPr>
+            <a:r>
+              <a:rPr lang="en-GB" sz="2800" dirty="0"/>
+              <a:t>On this week’s </a:t>
+            </a:r>
+            <a:r>
+              <a:rPr lang="en-GB" sz="2800" dirty="0">
+                <a:hlinkClick r:id="rId2"/>
+              </a:rPr>
+              <a:t>Padlet</a:t>
+            </a:r>
+            <a:r>
+              <a:rPr lang="en-GB" sz="2800" dirty="0"/>
+              <a:t>:</a:t>
+            </a:r>
+          </a:p>
+          <a:p>
+            <a:r>
+              <a:rPr lang="en-GB" sz="2800" dirty="0"/>
+              <a:t>Read 2-3 of the opinions</a:t>
+            </a:r>
+          </a:p>
+          <a:p>
+            <a:r>
+              <a:rPr lang="en-GB" sz="2800" dirty="0"/>
+              <a:t>Leave a comment/attach a post to say:</a:t>
+            </a:r>
+          </a:p>
+          <a:p>
+            <a:pPr lvl="1"/>
+            <a:r>
+              <a:rPr lang="en-GB" sz="2400" dirty="0"/>
+              <a:t>Did the author </a:t>
+            </a:r>
+            <a:r>
+              <a:rPr lang="en-GB" sz="2400" dirty="0">
+                <a:solidFill>
+                  <a:schemeClr val="accent3">
+                    <a:lumMod val="75000"/>
+                  </a:schemeClr>
+                </a:solidFill>
+              </a:rPr>
+              <a:t>convince</a:t>
+            </a:r>
+            <a:r>
+              <a:rPr lang="en-GB" sz="2400" dirty="0"/>
+              <a:t> you of their claim?</a:t>
+            </a:r>
+          </a:p>
+          <a:p>
+            <a:pPr lvl="1"/>
+            <a:r>
+              <a:rPr lang="en-GB" sz="2400" dirty="0"/>
+              <a:t>What </a:t>
+            </a:r>
+            <a:r>
+              <a:rPr lang="en-GB" sz="2400" dirty="0">
+                <a:solidFill>
+                  <a:schemeClr val="accent3">
+                    <a:lumMod val="75000"/>
+                  </a:schemeClr>
+                </a:solidFill>
+              </a:rPr>
+              <a:t>techniques</a:t>
+            </a:r>
+            <a:r>
+              <a:rPr lang="en-GB" sz="2400" dirty="0"/>
+              <a:t> did they use or </a:t>
+            </a:r>
+            <a:r>
+              <a:rPr lang="en-GB" sz="2400" dirty="0">
+                <a:solidFill>
+                  <a:schemeClr val="accent3">
+                    <a:lumMod val="75000"/>
+                  </a:schemeClr>
+                </a:solidFill>
+              </a:rPr>
+              <a:t>reasons</a:t>
+            </a:r>
+            <a:r>
+              <a:rPr lang="en-GB" sz="2400" dirty="0"/>
+              <a:t> did they give to support their argument?</a:t>
+            </a:r>
+          </a:p>
+          <a:p>
+            <a:pPr lvl="1"/>
+            <a:r>
+              <a:rPr lang="en-GB" sz="2400" dirty="0"/>
+              <a:t>Did they consider any </a:t>
+            </a:r>
+            <a:r>
+              <a:rPr lang="en-GB" sz="2400" dirty="0">
+                <a:solidFill>
+                  <a:schemeClr val="accent3">
+                    <a:lumMod val="75000"/>
+                  </a:schemeClr>
+                </a:solidFill>
+              </a:rPr>
+              <a:t>alternative</a:t>
+            </a:r>
+            <a:r>
+              <a:rPr lang="en-GB" sz="2400" dirty="0"/>
+              <a:t> opinions?</a:t>
+            </a:r>
+          </a:p>
+          <a:p>
+            <a:pPr lvl="1"/>
+            <a:r>
+              <a:rPr lang="en-GB" sz="2400" dirty="0"/>
+              <a:t>Anything else you noticed.</a:t>
+            </a:r>
+          </a:p>
+        </p:txBody>
+      </p:sp>
+    </p:spTree>
+    <p:extLst>
+      <p:ext uri="{BB962C8B-B14F-4D97-AF65-F5344CB8AC3E}">
+        <p14:creationId xmlns:p14="http://schemas.microsoft.com/office/powerpoint/2010/main" val="3296015005"/>
+      </p:ext>
+    </p:extLst>
+  </p:cSld>
+  <p:clrMapOvr>
+    <a:masterClrMapping/>
+  </p:clrMapOvr>
+</p:sld>
+</file>
+
+<file path=ppt/slides/slide8.xml><?xml version="1.0" encoding="utf-8"?>
+<p:sld xmlns:a="http://schemas.openxmlformats.org/drawingml/2006/main" xmlns:r="http://schemas.openxmlformats.org/officeDocument/2006/relationships" xmlns:p="http://schemas.openxmlformats.org/presentationml/2006/main">
+  <p:cSld>
+    <p:spTree>
+      <p:nvGrpSpPr>
+        <p:cNvPr id="1" name=""/>
+        <p:cNvGrpSpPr/>
+        <p:nvPr/>
+      </p:nvGrpSpPr>
+      <p:grpSpPr>
+        <a:xfrm>
+          <a:off x="0" y="0"/>
+          <a:ext cx="0" cy="0"/>
+          <a:chOff x="0" y="0"/>
+          <a:chExt cx="0" cy="0"/>
+        </a:xfrm>
+      </p:grpSpPr>
+      <p:sp>
+        <p:nvSpPr>
+          <p:cNvPr id="2" name="Title 1">
+            <a:extLst>
+              <a:ext uri="{FF2B5EF4-FFF2-40B4-BE49-F238E27FC236}">
+                <a16:creationId xmlns:a16="http://schemas.microsoft.com/office/drawing/2014/main" id="{77DAC86F-ECCE-4ADF-8ACA-1F388821DE9A}"/>
+              </a:ext>
+            </a:extLst>
+          </p:cNvPr>
+          <p:cNvSpPr>
+            <a:spLocks noGrp="1"/>
+          </p:cNvSpPr>
+          <p:nvPr>
+            <p:ph type="title"/>
+          </p:nvPr>
+        </p:nvSpPr>
+        <p:spPr/>
+        <p:txBody>
+          <a:bodyPr/>
+          <a:lstStyle/>
+          <a:p>
+            <a:r>
+              <a:rPr lang="en-GB" dirty="0">
+                <a:solidFill>
+                  <a:schemeClr val="accent3">
+                    <a:lumMod val="75000"/>
+                  </a:schemeClr>
+                </a:solidFill>
+              </a:rPr>
+              <a:t>Discussion: </a:t>
+            </a:r>
+            <a:r>
+              <a:rPr lang="en-GB" dirty="0"/>
+              <a:t>Persuasion Techniques</a:t>
+            </a:r>
+          </a:p>
+        </p:txBody>
+      </p:sp>
+    </p:spTree>
+    <p:extLst>
+      <p:ext uri="{BB962C8B-B14F-4D97-AF65-F5344CB8AC3E}">
+        <p14:creationId xmlns:p14="http://schemas.microsoft.com/office/powerpoint/2010/main" val="1453353494"/>
+      </p:ext>
+    </p:extLst>
+  </p:cSld>
+  <p:clrMapOvr>
+    <a:masterClrMapping/>
+  </p:clrMapOvr>
+</p:sld>
+</file>
+
+<file path=ppt/slides/slide9.xml><?xml version="1.0" encoding="utf-8"?>
+<p:sld xmlns:a="http://schemas.openxmlformats.org/drawingml/2006/main" xmlns:r="http://schemas.openxmlformats.org/officeDocument/2006/relationships" xmlns:p="http://schemas.openxmlformats.org/presentationml/2006/main">
+  <p:cSld>
+    <p:spTree>
+      <p:nvGrpSpPr>
+        <p:cNvPr id="1" name=""/>
+        <p:cNvGrpSpPr/>
+        <p:nvPr/>
+      </p:nvGrpSpPr>
+      <p:grpSpPr>
+        <a:xfrm>
+          <a:off x="0" y="0"/>
+          <a:ext cx="0" cy="0"/>
+          <a:chOff x="0" y="0"/>
+          <a:chExt cx="0" cy="0"/>
+        </a:xfrm>
+      </p:grpSpPr>
+      <p:sp>
+        <p:nvSpPr>
+          <p:cNvPr id="2" name="Title 1">
+            <a:extLst>
+              <a:ext uri="{FF2B5EF4-FFF2-40B4-BE49-F238E27FC236}">
+                <a16:creationId xmlns:a16="http://schemas.microsoft.com/office/drawing/2014/main" id="{17252B9E-36A9-4BB0-B509-CAF735426761}"/>
+              </a:ext>
+            </a:extLst>
+          </p:cNvPr>
+          <p:cNvSpPr>
+            <a:spLocks noGrp="1"/>
+          </p:cNvSpPr>
+          <p:nvPr>
+            <p:ph type="title"/>
+          </p:nvPr>
+        </p:nvSpPr>
+        <p:spPr/>
+        <p:txBody>
+          <a:bodyPr/>
+          <a:lstStyle/>
+          <a:p>
+            <a:r>
+              <a:rPr lang="en-GB" dirty="0">
+                <a:solidFill>
+                  <a:schemeClr val="accent2">
+                    <a:lumMod val="75000"/>
+                  </a:schemeClr>
+                </a:solidFill>
+              </a:rPr>
+              <a:t>Asynchronous Task: </a:t>
+            </a:r>
+            <a:r>
+              <a:rPr lang="en-GB" dirty="0"/>
+              <a:t>Defending a Claim</a:t>
+            </a:r>
+          </a:p>
+        </p:txBody>
+      </p:sp>
+      <p:sp>
+        <p:nvSpPr>
+          <p:cNvPr id="3" name="Content Placeholder 2">
+            <a:extLst>
+              <a:ext uri="{FF2B5EF4-FFF2-40B4-BE49-F238E27FC236}">
+                <a16:creationId xmlns:a16="http://schemas.microsoft.com/office/drawing/2014/main" id="{511FFEC9-1A9A-4739-80AC-8D36E74CBACB}"/>
+              </a:ext>
+            </a:extLst>
+          </p:cNvPr>
+          <p:cNvSpPr>
+            <a:spLocks noGrp="1"/>
+          </p:cNvSpPr>
+          <p:nvPr>
+            <p:ph idx="1"/>
+          </p:nvPr>
+        </p:nvSpPr>
+        <p:spPr/>
+        <p:txBody>
+          <a:bodyPr>
+            <a:normAutofit lnSpcReduction="10000"/>
+          </a:bodyPr>
+          <a:lstStyle/>
+          <a:p>
+            <a:r>
+              <a:rPr lang="en-GB" sz="2000" dirty="0"/>
+              <a:t>Think of an </a:t>
+            </a:r>
+            <a:r>
+              <a:rPr lang="en-GB" sz="2000" b="1" dirty="0">
+                <a:solidFill>
+                  <a:schemeClr val="accent3">
+                    <a:lumMod val="75000"/>
+                  </a:schemeClr>
+                </a:solidFill>
+              </a:rPr>
+              <a:t>opinion</a:t>
+            </a:r>
+            <a:r>
+              <a:rPr lang="en-GB" sz="2000" dirty="0"/>
+              <a:t> that you hold</a:t>
+            </a:r>
+          </a:p>
+          <a:p>
+            <a:pPr lvl="1"/>
+            <a:r>
+              <a:rPr lang="en-GB" sz="1800" dirty="0"/>
+              <a:t>Can be on anything – serious or frivolous!</a:t>
+            </a:r>
+          </a:p>
+          <a:p>
+            <a:pPr lvl="1"/>
+            <a:r>
+              <a:rPr lang="en-GB" sz="1800" dirty="0"/>
+              <a:t>The more </a:t>
+            </a:r>
+            <a:r>
+              <a:rPr lang="en-GB" sz="1800" dirty="0">
+                <a:solidFill>
+                  <a:schemeClr val="accent3">
+                    <a:lumMod val="75000"/>
+                  </a:schemeClr>
+                </a:solidFill>
+              </a:rPr>
+              <a:t>unpopular</a:t>
+            </a:r>
+            <a:r>
+              <a:rPr lang="en-GB" sz="1800" dirty="0"/>
+              <a:t> or </a:t>
+            </a:r>
+            <a:r>
+              <a:rPr lang="en-GB" sz="1800" dirty="0">
+                <a:solidFill>
+                  <a:schemeClr val="accent3">
+                    <a:lumMod val="75000"/>
+                  </a:schemeClr>
+                </a:solidFill>
+              </a:rPr>
+              <a:t>uncommon</a:t>
+            </a:r>
+            <a:r>
+              <a:rPr lang="en-GB" sz="1800" dirty="0"/>
+              <a:t>, the better</a:t>
+            </a:r>
+          </a:p>
+          <a:p>
+            <a:r>
+              <a:rPr lang="en-GB" sz="2000" dirty="0"/>
+              <a:t>Write a short piece (one or two paragraphs) to </a:t>
+            </a:r>
+            <a:r>
+              <a:rPr lang="en-GB" sz="2000" dirty="0">
+                <a:solidFill>
+                  <a:schemeClr val="accent2">
+                    <a:lumMod val="75000"/>
+                  </a:schemeClr>
+                </a:solidFill>
+              </a:rPr>
+              <a:t>convince</a:t>
+            </a:r>
+            <a:r>
+              <a:rPr lang="en-GB" sz="2000" dirty="0"/>
+              <a:t> other people that your opinion has merit</a:t>
+            </a:r>
+          </a:p>
+          <a:p>
+            <a:pPr lvl="1"/>
+            <a:r>
+              <a:rPr lang="en-GB" sz="1800" dirty="0"/>
+              <a:t>Use any of the techniques we’ve discussed – with a preference for </a:t>
+            </a:r>
+            <a:r>
+              <a:rPr lang="en-GB" sz="1800" dirty="0">
+                <a:solidFill>
+                  <a:schemeClr val="accent3">
+                    <a:lumMod val="75000"/>
+                  </a:schemeClr>
+                </a:solidFill>
+              </a:rPr>
+              <a:t>fact-based reasoning</a:t>
+            </a:r>
+            <a:r>
+              <a:rPr lang="en-GB" sz="1800" dirty="0"/>
+              <a:t>!</a:t>
+            </a:r>
+          </a:p>
+          <a:p>
+            <a:r>
+              <a:rPr lang="en-GB" sz="2000" dirty="0"/>
+              <a:t>Post your piece (with your claim as the title) in this week’s Teams channel</a:t>
+            </a:r>
+          </a:p>
+          <a:p>
+            <a:r>
+              <a:rPr lang="en-GB" sz="2000" dirty="0"/>
+              <a:t>Read one or two other people’s arguments (preferably ones you disagree with) and post comments to say whether they have </a:t>
+            </a:r>
+            <a:r>
+              <a:rPr lang="en-GB" sz="2000" dirty="0">
+                <a:solidFill>
+                  <a:schemeClr val="accent3">
+                    <a:lumMod val="75000"/>
+                  </a:schemeClr>
+                </a:solidFill>
+              </a:rPr>
+              <a:t>convinced</a:t>
+            </a:r>
+            <a:r>
+              <a:rPr lang="en-GB" sz="2000" dirty="0"/>
+              <a:t> you and/or point out any </a:t>
+            </a:r>
+            <a:r>
+              <a:rPr lang="en-GB" sz="2000" dirty="0">
+                <a:solidFill>
+                  <a:schemeClr val="accent3">
+                    <a:lumMod val="75000"/>
+                  </a:schemeClr>
+                </a:solidFill>
+              </a:rPr>
+              <a:t>objections</a:t>
+            </a:r>
+            <a:r>
+              <a:rPr lang="en-GB" sz="2000" dirty="0"/>
+              <a:t> or </a:t>
+            </a:r>
+            <a:r>
+              <a:rPr lang="en-GB" sz="2000" dirty="0">
+                <a:solidFill>
+                  <a:schemeClr val="accent3">
+                    <a:lumMod val="75000"/>
+                  </a:schemeClr>
+                </a:solidFill>
+              </a:rPr>
+              <a:t>alternatives</a:t>
+            </a:r>
+            <a:r>
+              <a:rPr lang="en-GB" sz="2000" dirty="0"/>
+              <a:t>.</a:t>
+            </a:r>
+          </a:p>
+        </p:txBody>
+      </p:sp>
+      <p:sp>
+        <p:nvSpPr>
+          <p:cNvPr id="4" name="Speech Bubble: Rectangle 3">
+            <a:extLst>
+              <a:ext uri="{FF2B5EF4-FFF2-40B4-BE49-F238E27FC236}">
+                <a16:creationId xmlns:a16="http://schemas.microsoft.com/office/drawing/2014/main" id="{F2DEC445-8D90-450E-A6EC-C365A4CAA8A2}"/>
+              </a:ext>
+            </a:extLst>
+          </p:cNvPr>
+          <p:cNvSpPr/>
+          <p:nvPr/>
+        </p:nvSpPr>
+        <p:spPr>
+          <a:xfrm>
+            <a:off x="7285891" y="1652954"/>
+            <a:ext cx="4402017" cy="1371600"/>
+          </a:xfrm>
+          <a:prstGeom prst="wedgeRectCallout">
+            <a:avLst>
+              <a:gd name="adj1" fmla="val -61825"/>
+              <a:gd name="adj2" fmla="val 23314"/>
+            </a:avLst>
+          </a:prstGeom>
+          <a:solidFill>
+            <a:schemeClr val="accent1">
+              <a:lumMod val="60000"/>
+              <a:lumOff val="40000"/>
+            </a:schemeClr>
+          </a:solidFill>
+        </p:spPr>
+        <p:style>
+          <a:lnRef idx="2">
+            <a:schemeClr val="accent1">
+              <a:shade val="50000"/>
+            </a:schemeClr>
+          </a:lnRef>
+          <a:fillRef idx="1">
+            <a:schemeClr val="accent1"/>
+          </a:fillRef>
+          <a:effectRef idx="0">
+            <a:schemeClr val="accent1"/>
+          </a:effectRef>
+          <a:fontRef idx="minor">
+            <a:schemeClr val="lt1"/>
+          </a:fontRef>
+        </p:style>
+        <p:txBody>
+          <a:bodyPr rtlCol="0" anchor="ctr"/>
+          <a:lstStyle/>
+          <a:p>
+            <a:r>
+              <a:rPr lang="en-GB" sz="1400" dirty="0">
+                <a:solidFill>
+                  <a:schemeClr val="tx1"/>
+                </a:solidFill>
+              </a:rPr>
+              <a:t>Suggestions:</a:t>
+            </a:r>
+          </a:p>
+          <a:p>
+            <a:pPr marL="285750" indent="-285750">
+              <a:buFont typeface="Arial" panose="020B0604020202020204" pitchFamily="34" charset="0"/>
+              <a:buChar char="•"/>
+            </a:pPr>
+            <a:r>
+              <a:rPr lang="en-GB" sz="1400" dirty="0">
+                <a:solidFill>
+                  <a:schemeClr val="tx1"/>
+                </a:solidFill>
+              </a:rPr>
+              <a:t>The best video game for someone who’s never played before</a:t>
+            </a:r>
+          </a:p>
+          <a:p>
+            <a:pPr marL="285750" indent="-285750">
+              <a:buFont typeface="Arial" panose="020B0604020202020204" pitchFamily="34" charset="0"/>
+              <a:buChar char="•"/>
+            </a:pPr>
+            <a:r>
+              <a:rPr lang="en-GB" sz="1400" dirty="0">
+                <a:solidFill>
+                  <a:schemeClr val="tx1"/>
+                </a:solidFill>
+              </a:rPr>
+              <a:t>Which is better: Marvel or DC?</a:t>
+            </a:r>
+          </a:p>
+          <a:p>
+            <a:pPr marL="285750" indent="-285750">
+              <a:buFont typeface="Arial" panose="020B0604020202020204" pitchFamily="34" charset="0"/>
+              <a:buChar char="•"/>
+            </a:pPr>
+            <a:r>
+              <a:rPr lang="en-GB" sz="1400" dirty="0">
+                <a:solidFill>
+                  <a:schemeClr val="tx1"/>
+                </a:solidFill>
+              </a:rPr>
+              <a:t>PC or Mac?</a:t>
+            </a:r>
+          </a:p>
+          <a:p>
+            <a:pPr marL="285750" indent="-285750">
+              <a:buFont typeface="Arial" panose="020B0604020202020204" pitchFamily="34" charset="0"/>
+              <a:buChar char="•"/>
+            </a:pPr>
+            <a:r>
+              <a:rPr lang="en-GB" sz="1400" dirty="0">
+                <a:solidFill>
+                  <a:schemeClr val="tx1"/>
+                </a:solidFill>
+              </a:rPr>
+              <a:t>Which goes on a scone first, jam or cream?</a:t>
+            </a:r>
+          </a:p>
+        </p:txBody>
+      </p:sp>
+    </p:spTree>
+    <p:extLst>
+      <p:ext uri="{BB962C8B-B14F-4D97-AF65-F5344CB8AC3E}">
+        <p14:creationId xmlns:p14="http://schemas.microsoft.com/office/powerpoint/2010/main" val="2414096156"/>
+      </p:ext>
+    </p:extLst>
+  </p:cSld>
+  <p:clrMapOvr>
+    <a:masterClrMapping/>
+  </p:clrMapOvr>
+  <p:timing>
+    <p:tnLst>
+      <p:par>
+        <p:cTn id="1" dur="indefinite" restart="never" nodeType="tmRoot">
+          <p:childTnLst>
+            <p:seq concurrent="1" nextAc="seek">
+              <p:cTn id="2" dur="indefinite" nodeType="mainSeq">
+                <p:childTnLst>
+                  <p:par>
+                    <p:cTn id="3" fill="hold">
+                      <p:stCondLst>
+                        <p:cond delay="indefinite"/>
+                      </p:stCondLst>
+                      <p:childTnLst>
+                        <p:par>
+                          <p:cTn id="4" fill="hold">
+                            <p:stCondLst>
+                              <p:cond delay="0"/>
+                            </p:stCondLst>
+                            <p:childTnLst>
+                              <p:par>
+                                <p:cTn id="5" presetID="10" presetClass="entr" presetSubtype="0" fill="hold" grpId="0" nodeType="clickEffect">
+                                  <p:stCondLst>
+                                    <p:cond delay="0"/>
+                                  </p:stCondLst>
+                                  <p:childTnLst>
+                                    <p:set>
+                                      <p:cBhvr>
+                                        <p:cTn id="6" dur="1" fill="hold">
+                                          <p:stCondLst>
+                                            <p:cond delay="0"/>
+                                          </p:stCondLst>
+                                        </p:cTn>
+                                        <p:tgtEl>
+                                          <p:spTgt spid="3">
+                                            <p:txEl>
+                                              <p:pRg st="0" end="0"/>
+                                            </p:txEl>
+                                          </p:spTgt>
+                                        </p:tgtEl>
+                                        <p:attrNameLst>
+                                          <p:attrName>style.visibility</p:attrName>
+                                        </p:attrNameLst>
+                                      </p:cBhvr>
+                                      <p:to>
+                                        <p:strVal val="visible"/>
+                                      </p:to>
+                                    </p:set>
+                                    <p:animEffect transition="in" filter="fade">
+                                      <p:cBhvr>
+                                        <p:cTn id="7" dur="500"/>
+                                        <p:tgtEl>
+                                          <p:spTgt spid="3">
+                                            <p:txEl>
+                                              <p:pRg st="0" end="0"/>
+                                            </p:txEl>
+                                          </p:spTgt>
+                                        </p:tgtEl>
+                                      </p:cBhvr>
+                                    </p:animEffect>
+                                  </p:childTnLst>
+                                </p:cTn>
+                              </p:par>
+                              <p:par>
+                                <p:cTn id="8" presetID="10" presetClass="entr" presetSubtype="0" fill="hold" grpId="0" nodeType="withEffect">
+                                  <p:stCondLst>
+                                    <p:cond delay="0"/>
+                                  </p:stCondLst>
+                                  <p:childTnLst>
+                                    <p:set>
+                                      <p:cBhvr>
+                                        <p:cTn id="9" dur="1" fill="hold">
+                                          <p:stCondLst>
+                                            <p:cond delay="0"/>
+                                          </p:stCondLst>
+                                        </p:cTn>
+                                        <p:tgtEl>
+                                          <p:spTgt spid="3">
+                                            <p:txEl>
+                                              <p:pRg st="1" end="1"/>
+                                            </p:txEl>
+                                          </p:spTgt>
+                                        </p:tgtEl>
+                                        <p:attrNameLst>
+                                          <p:attrName>style.visibility</p:attrName>
+                                        </p:attrNameLst>
+                                      </p:cBhvr>
+                                      <p:to>
+                                        <p:strVal val="visible"/>
+                                      </p:to>
+                                    </p:set>
+                                    <p:animEffect transition="in" filter="fade">
+                                      <p:cBhvr>
+                                        <p:cTn id="10" dur="500"/>
+                                        <p:tgtEl>
+                                          <p:spTgt spid="3">
+                                            <p:txEl>
+                                              <p:pRg st="1" end="1"/>
+                                            </p:txEl>
+                                          </p:spTgt>
+                                        </p:tgtEl>
+                                      </p:cBhvr>
+                                    </p:animEffect>
+                                  </p:childTnLst>
+                                </p:cTn>
+                              </p:par>
+                              <p:par>
+                                <p:cTn id="11" presetID="10" presetClass="entr" presetSubtype="0" fill="hold" grpId="0" nodeType="withEffect">
+                                  <p:stCondLst>
+                                    <p:cond delay="0"/>
+                                  </p:stCondLst>
+                                  <p:childTnLst>
+                                    <p:set>
+                                      <p:cBhvr>
+                                        <p:cTn id="12" dur="1" fill="hold">
+                                          <p:stCondLst>
+                                            <p:cond delay="0"/>
+                                          </p:stCondLst>
+                                        </p:cTn>
+                                        <p:tgtEl>
+                                          <p:spTgt spid="3">
+                                            <p:txEl>
+                                              <p:pRg st="2" end="2"/>
+                                            </p:txEl>
+                                          </p:spTgt>
+                                        </p:tgtEl>
+                                        <p:attrNameLst>
+                                          <p:attrName>style.visibility</p:attrName>
+                                        </p:attrNameLst>
+                                      </p:cBhvr>
+                                      <p:to>
+                                        <p:strVal val="visible"/>
+                                      </p:to>
+                                    </p:set>
+                                    <p:animEffect transition="in" filter="fade">
+                                      <p:cBhvr>
+                                        <p:cTn id="13" dur="500"/>
+                                        <p:tgtEl>
+                                          <p:spTgt spid="3">
+                                            <p:txEl>
+                                              <p:pRg st="2" end="2"/>
+                                            </p:txEl>
+                                          </p:spTgt>
+                                        </p:tgtEl>
+                                      </p:cBhvr>
+                                    </p:animEffect>
+                                  </p:childTnLst>
+                                </p:cTn>
+                              </p:par>
+                            </p:childTnLst>
+                          </p:cTn>
+                        </p:par>
+                      </p:childTnLst>
+                    </p:cTn>
+                  </p:par>
+                  <p:par>
+                    <p:cTn id="14" fill="hold">
+                      <p:stCondLst>
+                        <p:cond delay="indefinite"/>
+                      </p:stCondLst>
+                      <p:childTnLst>
+                        <p:par>
+                          <p:cTn id="15" fill="hold">
+                            <p:stCondLst>
+                              <p:cond delay="0"/>
+                            </p:stCondLst>
+                            <p:childTnLst>
+                              <p:par>
+                                <p:cTn id="16" presetID="10" presetClass="entr" presetSubtype="0" fill="hold" grpId="0" nodeType="clickEffect">
+                                  <p:stCondLst>
+                                    <p:cond delay="0"/>
+                                  </p:stCondLst>
+                                  <p:childTnLst>
+                                    <p:set>
+                                      <p:cBhvr>
+                                        <p:cTn id="17" dur="1" fill="hold">
+                                          <p:stCondLst>
+                                            <p:cond delay="0"/>
+                                          </p:stCondLst>
+                                        </p:cTn>
+                                        <p:tgtEl>
+                                          <p:spTgt spid="4"/>
+                                        </p:tgtEl>
+                                        <p:attrNameLst>
+                                          <p:attrName>style.visibility</p:attrName>
+                                        </p:attrNameLst>
+                                      </p:cBhvr>
+                                      <p:to>
+                                        <p:strVal val="visible"/>
+                                      </p:to>
+                                    </p:set>
+                                    <p:animEffect transition="in" filter="fade">
+                                      <p:cBhvr>
+                                        <p:cTn id="18" dur="500"/>
+                                        <p:tgtEl>
+                                          <p:spTgt spid="4"/>
+                                        </p:tgtEl>
+                                      </p:cBhvr>
+                                    </p:animEffect>
+                                  </p:childTnLst>
+                                </p:cTn>
+                              </p:par>
+                            </p:childTnLst>
+                          </p:cTn>
+                        </p:par>
+                      </p:childTnLst>
+                    </p:cTn>
+                  </p:par>
+                  <p:par>
+                    <p:cTn id="19" fill="hold">
+                      <p:stCondLst>
+                        <p:cond delay="indefinite"/>
+                      </p:stCondLst>
+                      <p:childTnLst>
+                        <p:par>
+                          <p:cTn id="20" fill="hold">
+                            <p:stCondLst>
+                              <p:cond delay="0"/>
+                            </p:stCondLst>
+                            <p:childTnLst>
+                              <p:par>
+                                <p:cTn id="21" presetID="10" presetClass="entr" presetSubtype="0" fill="hold" grpId="0" nodeType="clickEffect">
+                                  <p:stCondLst>
+                                    <p:cond delay="0"/>
+                                  </p:stCondLst>
+                                  <p:childTnLst>
+                                    <p:set>
+                                      <p:cBhvr>
+                                        <p:cTn id="22" dur="1" fill="hold">
+                                          <p:stCondLst>
+                                            <p:cond delay="0"/>
+                                          </p:stCondLst>
+                                        </p:cTn>
+                                        <p:tgtEl>
+                                          <p:spTgt spid="3">
+                                            <p:txEl>
+                                              <p:pRg st="3" end="3"/>
+                                            </p:txEl>
+                                          </p:spTgt>
+                                        </p:tgtEl>
+                                        <p:attrNameLst>
+                                          <p:attrName>style.visibility</p:attrName>
+                                        </p:attrNameLst>
+                                      </p:cBhvr>
+                                      <p:to>
+                                        <p:strVal val="visible"/>
+                                      </p:to>
+                                    </p:set>
+                                    <p:animEffect transition="in" filter="fade">
+                                      <p:cBhvr>
+                                        <p:cTn id="23" dur="500"/>
+                                        <p:tgtEl>
+                                          <p:spTgt spid="3">
+                                            <p:txEl>
+                                              <p:pRg st="3" end="3"/>
+                                            </p:txEl>
+                                          </p:spTgt>
+                                        </p:tgtEl>
+                                      </p:cBhvr>
+                                    </p:animEffect>
+                                  </p:childTnLst>
+                                </p:cTn>
+                              </p:par>
+                              <p:par>
+                                <p:cTn id="24" presetID="10" presetClass="entr" presetSubtype="0" fill="hold" grpId="0" nodeType="withEffect">
+                                  <p:stCondLst>
+                                    <p:cond delay="0"/>
+                                  </p:stCondLst>
+                                  <p:childTnLst>
+                                    <p:set>
+                                      <p:cBhvr>
+                                        <p:cTn id="25" dur="1" fill="hold">
+                                          <p:stCondLst>
+                                            <p:cond delay="0"/>
+                                          </p:stCondLst>
+                                        </p:cTn>
+                                        <p:tgtEl>
+                                          <p:spTgt spid="3">
+                                            <p:txEl>
+                                              <p:pRg st="4" end="4"/>
+                                            </p:txEl>
+                                          </p:spTgt>
+                                        </p:tgtEl>
+                                        <p:attrNameLst>
+                                          <p:attrName>style.visibility</p:attrName>
+                                        </p:attrNameLst>
+                                      </p:cBhvr>
+                                      <p:to>
+                                        <p:strVal val="visible"/>
+                                      </p:to>
+                                    </p:set>
+                                    <p:animEffect transition="in" filter="fade">
+                                      <p:cBhvr>
+                                        <p:cTn id="26" dur="500"/>
+                                        <p:tgtEl>
+                                          <p:spTgt spid="3">
+                                            <p:txEl>
+                                              <p:pRg st="4" end="4"/>
+                                            </p:txEl>
+                                          </p:spTgt>
+                                        </p:tgtEl>
+                                      </p:cBhvr>
+                                    </p:animEffect>
+                                  </p:childTnLst>
+                                </p:cTn>
+                              </p:par>
+                            </p:childTnLst>
+                          </p:cTn>
+                        </p:par>
+                      </p:childTnLst>
+                    </p:cTn>
+                  </p:par>
+                  <p:par>
+                    <p:cTn id="27" fill="hold">
+                      <p:stCondLst>
+                        <p:cond delay="indefinite"/>
+                      </p:stCondLst>
+                      <p:childTnLst>
+                        <p:par>
+                          <p:cTn id="28" fill="hold">
+                            <p:stCondLst>
+                              <p:cond delay="0"/>
+                            </p:stCondLst>
+                            <p:childTnLst>
+                              <p:par>
+                                <p:cTn id="29" presetID="10" presetClass="entr" presetSubtype="0" fill="hold" grpId="0" nodeType="clickEffect">
+                                  <p:stCondLst>
+                                    <p:cond delay="0"/>
+                                  </p:stCondLst>
+                                  <p:childTnLst>
+                                    <p:set>
+                                      <p:cBhvr>
+                                        <p:cTn id="30" dur="1" fill="hold">
+                                          <p:stCondLst>
+                                            <p:cond delay="0"/>
+                                          </p:stCondLst>
+                                        </p:cTn>
+                                        <p:tgtEl>
+                                          <p:spTgt spid="3">
+                                            <p:txEl>
+                                              <p:pRg st="5" end="5"/>
+                                            </p:txEl>
+                                          </p:spTgt>
+                                        </p:tgtEl>
+                                        <p:attrNameLst>
+                                          <p:attrName>style.visibility</p:attrName>
+                                        </p:attrNameLst>
+                                      </p:cBhvr>
+                                      <p:to>
+                                        <p:strVal val="visible"/>
+                                      </p:to>
+                                    </p:set>
+                                    <p:animEffect transition="in" filter="fade">
+                                      <p:cBhvr>
+                                        <p:cTn id="31" dur="500"/>
+                                        <p:tgtEl>
+                                          <p:spTgt spid="3">
+                                            <p:txEl>
+                                              <p:pRg st="5" end="5"/>
+                                            </p:txEl>
+                                          </p:spTgt>
+                                        </p:tgtEl>
+                                      </p:cBhvr>
+                                    </p:animEffect>
+                                  </p:childTnLst>
+                                </p:cTn>
+                              </p:par>
+                            </p:childTnLst>
+                          </p:cTn>
+                        </p:par>
+                      </p:childTnLst>
+                    </p:cTn>
+                  </p:par>
+                  <p:par>
+                    <p:cTn id="32" fill="hold">
+                      <p:stCondLst>
+                        <p:cond delay="indefinite"/>
+                      </p:stCondLst>
+                      <p:childTnLst>
+                        <p:par>
+                          <p:cTn id="33" fill="hold">
+                            <p:stCondLst>
+                              <p:cond delay="0"/>
+                            </p:stCondLst>
+                            <p:childTnLst>
+                              <p:par>
+                                <p:cTn id="34" presetID="10" presetClass="entr" presetSubtype="0" fill="hold" grpId="0" nodeType="clickEffect">
+                                  <p:stCondLst>
+                                    <p:cond delay="0"/>
+                                  </p:stCondLst>
+                                  <p:childTnLst>
+                                    <p:set>
+                                      <p:cBhvr>
+                                        <p:cTn id="35" dur="1" fill="hold">
+                                          <p:stCondLst>
+                                            <p:cond delay="0"/>
+                                          </p:stCondLst>
+                                        </p:cTn>
+                                        <p:tgtEl>
+                                          <p:spTgt spid="3">
+                                            <p:txEl>
+                                              <p:pRg st="6" end="6"/>
+                                            </p:txEl>
+                                          </p:spTgt>
+                                        </p:tgtEl>
+                                        <p:attrNameLst>
+                                          <p:attrName>style.visibility</p:attrName>
+                                        </p:attrNameLst>
+                                      </p:cBhvr>
+                                      <p:to>
+                                        <p:strVal val="visible"/>
+                                      </p:to>
+                                    </p:set>
+                                    <p:animEffect transition="in" filter="fade">
+                                      <p:cBhvr>
+                                        <p:cTn id="36" dur="500"/>
+                                        <p:tgtEl>
+                                          <p:spTgt spid="3">
+                                            <p:txEl>
+                                              <p:pRg st="6" end="6"/>
+                                            </p:txEl>
+                                          </p:spTgt>
+                                        </p:tgtEl>
+                                      </p:cBhvr>
+                                    </p:animEffect>
+                                  </p:childTnLst>
+                                </p:cTn>
+                              </p:par>
+                            </p:childTnLst>
+                          </p:cTn>
+                        </p:par>
+                      </p:childTnLst>
+                    </p:cTn>
+                  </p:par>
+                </p:childTnLst>
+              </p:cTn>
+              <p:prevCondLst>
+                <p:cond evt="onPrev" delay="0">
+                  <p:tgtEl>
+                    <p:sldTgt/>
+                  </p:tgtEl>
+                </p:cond>
+              </p:prevCondLst>
+              <p:nextCondLst>
+                <p:cond evt="onNext" delay="0">
+                  <p:tgtEl>
+                    <p:sldTgt/>
+                  </p:tgtEl>
+                </p:cond>
+              </p:nextCondLst>
+            </p:seq>
+          </p:childTnLst>
+        </p:cTn>
+      </p:par>
+    </p:tnLst>
+    <p:bldLst>
+      <p:bldP spid="3" grpId="0" uiExpand="1" build="p"/>
+      <p:bldP spid="4" grpId="0" animBg="1"/>
     </p:bldLst>
   </p:timing>
 </p:sld>
@@ -5997,7 +8715,7 @@
 <file path=ppt/theme/theme1.xml><?xml version="1.0" encoding="utf-8"?>
 <a:theme xmlns:a="http://schemas.openxmlformats.org/drawingml/2006/main" name="SavonVTI">
   <a:themeElements>
-    <a:clrScheme name="FIVE">
+    <a:clrScheme name="Portfolio">
       <a:dk1>
         <a:sysClr val="windowText" lastClr="000000"/>
       </a:dk1>
@@ -6029,10 +8747,10 @@
         <a:srgbClr val="B8D233"/>
       </a:accent6>
       <a:hlink>
-        <a:srgbClr val="00B0F0"/>
+        <a:srgbClr val="416C2F"/>
       </a:hlink>
       <a:folHlink>
-        <a:srgbClr val="B2B2B2"/>
+        <a:srgbClr val="416C2F"/>
       </a:folHlink>
     </a:clrScheme>
     <a:fontScheme name="Century Gothic">
@@ -6268,4 +8986,299 @@
     </a:ext>
   </a:extLst>
 </a:theme>
+</file>
+
+<file path=ppt/theme/theme2.xml><?xml version="1.0" encoding="utf-8"?>
+<a:theme xmlns:a="http://schemas.openxmlformats.org/drawingml/2006/main" name="Office Theme">
+  <a:themeElements>
+    <a:clrScheme name="Office">
+      <a:dk1>
+        <a:sysClr val="windowText" lastClr="000000"/>
+      </a:dk1>
+      <a:lt1>
+        <a:sysClr val="window" lastClr="FFFFFF"/>
+      </a:lt1>
+      <a:dk2>
+        <a:srgbClr val="44546A"/>
+      </a:dk2>
+      <a:lt2>
+        <a:srgbClr val="E7E6E6"/>
+      </a:lt2>
+      <a:accent1>
+        <a:srgbClr val="4472C4"/>
+      </a:accent1>
+      <a:accent2>
+        <a:srgbClr val="ED7D31"/>
+      </a:accent2>
+      <a:accent3>
+        <a:srgbClr val="A5A5A5"/>
+      </a:accent3>
+      <a:accent4>
+        <a:srgbClr val="FFC000"/>
+      </a:accent4>
+      <a:accent5>
+        <a:srgbClr val="5B9BD5"/>
+      </a:accent5>
+      <a:accent6>
+        <a:srgbClr val="70AD47"/>
+      </a:accent6>
+      <a:hlink>
+        <a:srgbClr val="0563C1"/>
+      </a:hlink>
+      <a:folHlink>
+        <a:srgbClr val="954F72"/>
+      </a:folHlink>
+    </a:clrScheme>
+    <a:fontScheme name="Office">
+      <a:majorFont>
+        <a:latin typeface="Calibri Light" panose="020F0302020204030204"/>
+        <a:ea typeface=""/>
+        <a:cs typeface=""/>
+        <a:font script="Jpan" typeface="游ゴシック Light"/>
+        <a:font script="Hang" typeface="맑은 고딕"/>
+        <a:font script="Hans" typeface="等线 Light"/>
+        <a:font script="Hant" typeface="新細明體"/>
+        <a:font script="Arab" typeface="Times New Roman"/>
+        <a:font script="Hebr" typeface="Times New Roman"/>
+        <a:font script="Thai" typeface="Angsana New"/>
+        <a:font script="Ethi" typeface="Nyala"/>
+        <a:font script="Beng" typeface="Vrinda"/>
+        <a:font script="Gujr" typeface="Shruti"/>
+        <a:font script="Khmr" typeface="MoolBoran"/>
+        <a:font script="Knda" typeface="Tunga"/>
+        <a:font script="Guru" typeface="Raavi"/>
+        <a:font script="Cans" typeface="Euphemia"/>
+        <a:font script="Cher" typeface="Plantagenet Cherokee"/>
+        <a:font script="Yiii" typeface="Microsoft Yi Baiti"/>
+        <a:font script="Tibt" typeface="Microsoft Himalaya"/>
+        <a:font script="Thaa" typeface="MV Boli"/>
+        <a:font script="Deva" typeface="Mangal"/>
+        <a:font script="Telu" typeface="Gautami"/>
+        <a:font script="Taml" typeface="Latha"/>
+        <a:font script="Syrc" typeface="Estrangelo Edessa"/>
+        <a:font script="Orya" typeface="Kalinga"/>
+        <a:font script="Mlym" typeface="Kartika"/>
+        <a:font script="Laoo" typeface="DokChampa"/>
+        <a:font script="Sinh" typeface="Iskoola Pota"/>
+        <a:font script="Mong" typeface="Mongolian Baiti"/>
+        <a:font script="Viet" typeface="Times New Roman"/>
+        <a:font script="Uigh" typeface="Microsoft Uighur"/>
+        <a:font script="Geor" typeface="Sylfaen"/>
+        <a:font script="Armn" typeface="Arial"/>
+        <a:font script="Bugi" typeface="Leelawadee UI"/>
+        <a:font script="Bopo" typeface="Microsoft JhengHei"/>
+        <a:font script="Java" typeface="Javanese Text"/>
+        <a:font script="Lisu" typeface="Segoe UI"/>
+        <a:font script="Mymr" typeface="Myanmar Text"/>
+        <a:font script="Nkoo" typeface="Ebrima"/>
+        <a:font script="Olck" typeface="Nirmala UI"/>
+        <a:font script="Osma" typeface="Ebrima"/>
+        <a:font script="Phag" typeface="Phagspa"/>
+        <a:font script="Syrn" typeface="Estrangelo Edessa"/>
+        <a:font script="Syrj" typeface="Estrangelo Edessa"/>
+        <a:font script="Syre" typeface="Estrangelo Edessa"/>
+        <a:font script="Sora" typeface="Nirmala UI"/>
+        <a:font script="Tale" typeface="Microsoft Tai Le"/>
+        <a:font script="Talu" typeface="Microsoft New Tai Lue"/>
+        <a:font script="Tfng" typeface="Ebrima"/>
+      </a:majorFont>
+      <a:minorFont>
+        <a:latin typeface="Calibri" panose="020F0502020204030204"/>
+        <a:ea typeface=""/>
+        <a:cs typeface=""/>
+        <a:font script="Jpan" typeface="游ゴシック"/>
+        <a:font script="Hang" typeface="맑은 고딕"/>
+        <a:font script="Hans" typeface="等线"/>
+        <a:font script="Hant" typeface="新細明體"/>
+        <a:font script="Arab" typeface="Arial"/>
+        <a:font script="Hebr" typeface="Arial"/>
+        <a:font script="Thai" typeface="Cordia New"/>
+        <a:font script="Ethi" typeface="Nyala"/>
+        <a:font script="Beng" typeface="Vrinda"/>
+        <a:font script="Gujr" typeface="Shruti"/>
+        <a:font script="Khmr" typeface="DaunPenh"/>
+        <a:font script="Knda" typeface="Tunga"/>
+        <a:font script="Guru" typeface="Raavi"/>
+        <a:font script="Cans" typeface="Euphemia"/>
+        <a:font script="Cher" typeface="Plantagenet Cherokee"/>
+        <a:font script="Yiii" typeface="Microsoft Yi Baiti"/>
+        <a:font script="Tibt" typeface="Microsoft Himalaya"/>
+        <a:font script="Thaa" typeface="MV Boli"/>
+        <a:font script="Deva" typeface="Mangal"/>
+        <a:font script="Telu" typeface="Gautami"/>
+        <a:font script="Taml" typeface="Latha"/>
+        <a:font script="Syrc" typeface="Estrangelo Edessa"/>
+        <a:font script="Orya" typeface="Kalinga"/>
+        <a:font script="Mlym" typeface="Kartika"/>
+        <a:font script="Laoo" typeface="DokChampa"/>
+        <a:font script="Sinh" typeface="Iskoola Pota"/>
+        <a:font script="Mong" typeface="Mongolian Baiti"/>
+        <a:font script="Viet" typeface="Arial"/>
+        <a:font script="Uigh" typeface="Microsoft Uighur"/>
+        <a:font script="Geor" typeface="Sylfaen"/>
+        <a:font script="Armn" typeface="Arial"/>
+        <a:font script="Bugi" typeface="Leelawadee UI"/>
+        <a:font script="Bopo" typeface="Microsoft JhengHei"/>
+        <a:font script="Java" typeface="Javanese Text"/>
+        <a:font script="Lisu" typeface="Segoe UI"/>
+        <a:font script="Mymr" typeface="Myanmar Text"/>
+        <a:font script="Nkoo" typeface="Ebrima"/>
+        <a:font script="Olck" typeface="Nirmala UI"/>
+        <a:font script="Osma" typeface="Ebrima"/>
+        <a:font script="Phag" typeface="Phagspa"/>
+        <a:font script="Syrn" typeface="Estrangelo Edessa"/>
+        <a:font script="Syrj" typeface="Estrangelo Edessa"/>
+        <a:font script="Syre" typeface="Estrangelo Edessa"/>
+        <a:font script="Sora" typeface="Nirmala UI"/>
+        <a:font script="Tale" typeface="Microsoft Tai Le"/>
+        <a:font script="Talu" typeface="Microsoft New Tai Lue"/>
+        <a:font script="Tfng" typeface="Ebrima"/>
+      </a:minorFont>
+    </a:fontScheme>
+    <a:fmtScheme name="Office">
+      <a:fillStyleLst>
+        <a:solidFill>
+          <a:schemeClr val="phClr"/>
+        </a:solidFill>
+        <a:gradFill rotWithShape="1">
+          <a:gsLst>
+            <a:gs pos="0">
+              <a:schemeClr val="phClr">
+                <a:lumMod val="110000"/>
+                <a:satMod val="105000"/>
+                <a:tint val="67000"/>
+              </a:schemeClr>
+            </a:gs>
+            <a:gs pos="50000">
+              <a:schemeClr val="phClr">
+                <a:lumMod val="105000"/>
+                <a:satMod val="103000"/>
+                <a:tint val="73000"/>
+              </a:schemeClr>
+            </a:gs>
+            <a:gs pos="100000">
+              <a:schemeClr val="phClr">
+                <a:lumMod val="105000"/>
+                <a:satMod val="109000"/>
+                <a:tint val="81000"/>
+              </a:schemeClr>
+            </a:gs>
+          </a:gsLst>
+          <a:lin ang="5400000" scaled="0"/>
+        </a:gradFill>
+        <a:gradFill rotWithShape="1">
+          <a:gsLst>
+            <a:gs pos="0">
+              <a:schemeClr val="phClr">
+                <a:satMod val="103000"/>
+                <a:lumMod val="102000"/>
+                <a:tint val="94000"/>
+              </a:schemeClr>
+            </a:gs>
+            <a:gs pos="50000">
+              <a:schemeClr val="phClr">
+                <a:satMod val="110000"/>
+                <a:lumMod val="100000"/>
+                <a:shade val="100000"/>
+              </a:schemeClr>
+            </a:gs>
+            <a:gs pos="100000">
+              <a:schemeClr val="phClr">
+                <a:lumMod val="99000"/>
+                <a:satMod val="120000"/>
+                <a:shade val="78000"/>
+              </a:schemeClr>
+            </a:gs>
+          </a:gsLst>
+          <a:lin ang="5400000" scaled="0"/>
+        </a:gradFill>
+      </a:fillStyleLst>
+      <a:lnStyleLst>
+        <a:ln w="6350" cap="flat" cmpd="sng" algn="ctr">
+          <a:solidFill>
+            <a:schemeClr val="phClr"/>
+          </a:solidFill>
+          <a:prstDash val="solid"/>
+          <a:miter lim="800000"/>
+        </a:ln>
+        <a:ln w="12700" cap="flat" cmpd="sng" algn="ctr">
+          <a:solidFill>
+            <a:schemeClr val="phClr"/>
+          </a:solidFill>
+          <a:prstDash val="solid"/>
+          <a:miter lim="800000"/>
+        </a:ln>
+        <a:ln w="19050" cap="flat" cmpd="sng" algn="ctr">
+          <a:solidFill>
+            <a:schemeClr val="phClr"/>
+          </a:solidFill>
+          <a:prstDash val="solid"/>
+          <a:miter lim="800000"/>
+        </a:ln>
+      </a:lnStyleLst>
+      <a:effectStyleLst>
+        <a:effectStyle>
+          <a:effectLst/>
+        </a:effectStyle>
+        <a:effectStyle>
+          <a:effectLst/>
+        </a:effectStyle>
+        <a:effectStyle>
+          <a:effectLst>
+            <a:outerShdw blurRad="57150" dist="19050" dir="5400000" algn="ctr" rotWithShape="0">
+              <a:srgbClr val="000000">
+                <a:alpha val="63000"/>
+              </a:srgbClr>
+            </a:outerShdw>
+          </a:effectLst>
+        </a:effectStyle>
+      </a:effectStyleLst>
+      <a:bgFillStyleLst>
+        <a:solidFill>
+          <a:schemeClr val="phClr"/>
+        </a:solidFill>
+        <a:solidFill>
+          <a:schemeClr val="phClr">
+            <a:tint val="95000"/>
+            <a:satMod val="170000"/>
+          </a:schemeClr>
+        </a:solidFill>
+        <a:gradFill rotWithShape="1">
+          <a:gsLst>
+            <a:gs pos="0">
+              <a:schemeClr val="phClr">
+                <a:tint val="93000"/>
+                <a:satMod val="150000"/>
+                <a:shade val="98000"/>
+                <a:lumMod val="102000"/>
+              </a:schemeClr>
+            </a:gs>
+            <a:gs pos="50000">
+              <a:schemeClr val="phClr">
+                <a:tint val="98000"/>
+                <a:satMod val="130000"/>
+                <a:shade val="90000"/>
+                <a:lumMod val="103000"/>
+              </a:schemeClr>
+            </a:gs>
+            <a:gs pos="100000">
+              <a:schemeClr val="phClr">
+                <a:shade val="63000"/>
+                <a:satMod val="120000"/>
+              </a:schemeClr>
+            </a:gs>
+          </a:gsLst>
+          <a:lin ang="5400000" scaled="0"/>
+        </a:gradFill>
+      </a:bgFillStyleLst>
+    </a:fmtScheme>
+  </a:themeElements>
+  <a:objectDefaults/>
+  <a:extraClrSchemeLst/>
+  <a:extLst>
+    <a:ext uri="{05A4C25C-085E-4340-85A3-A5531E510DB2}">
+      <thm15:themeFamily xmlns:thm15="http://schemas.microsoft.com/office/thememl/2012/main" name="Office Theme" id="{62F939B6-93AF-4DB8-9C6B-D6C7DFDC589F}" vid="{4A3C46E8-61CC-4603-A589-7422A47A8E4A}"/>
+    </a:ext>
+  </a:extLst>
+</a:theme>
 </file>